--- a/slide_0422/20190422_urita.pptx
+++ b/slide_0422/20190422_urita.pptx
@@ -7,18 +7,19 @@
     <p:sldMasterId id="2147483689" r:id="rId3"/>
     <p:sldMasterId id="2147483696" r:id="rId4"/>
     <p:sldMasterId id="2147483703" r:id="rId5"/>
+    <p:sldMasterId id="2147483710" r:id="rId6"/>
   </p:sldMasterIdLst>
   <p:notesMasterIdLst>
-    <p:notesMasterId r:id="rId13"/>
+    <p:notesMasterId r:id="rId14"/>
   </p:notesMasterIdLst>
   <p:sldIdLst>
-    <p:sldId id="256" r:id="rId6"/>
-    <p:sldId id="261" r:id="rId7"/>
-    <p:sldId id="278" r:id="rId8"/>
-    <p:sldId id="280" r:id="rId9"/>
-    <p:sldId id="279" r:id="rId10"/>
-    <p:sldId id="281" r:id="rId11"/>
-    <p:sldId id="259" r:id="rId12"/>
+    <p:sldId id="256" r:id="rId7"/>
+    <p:sldId id="261" r:id="rId8"/>
+    <p:sldId id="278" r:id="rId9"/>
+    <p:sldId id="280" r:id="rId10"/>
+    <p:sldId id="282" r:id="rId11"/>
+    <p:sldId id="281" r:id="rId12"/>
+    <p:sldId id="259" r:id="rId13"/>
   </p:sldIdLst>
   <p:sldSz cx="9144000" cy="6858000" type="screen4x3"/>
   <p:notesSz cx="6858000" cy="9144000"/>
@@ -188,7 +189,10 @@
               <c:showSerName val="0"/>
               <c:showPercent val="0"/>
               <c:showBubbleSize val="0"/>
-              <c:extLst>
+              <c:extLst xmlns:c16r2="http://schemas.microsoft.com/office/drawing/2015/06/chart">
+                <c:ext xmlns:c16="http://schemas.microsoft.com/office/drawing/2014/chart" uri="{C3380CC4-5D6E-409C-BE32-E72D297353CC}">
+                  <c16:uniqueId val="{00000000-3559-4876-8630-FAE31BFF3B64}"/>
+                </c:ext>
                 <c:ext xmlns:c15="http://schemas.microsoft.com/office/drawing/2012/chart" uri="{CE6537A1-D6FC-4f65-9D91-7224C49458BB}">
                   <c15:layout/>
                 </c:ext>
@@ -209,7 +213,10 @@
               <c:showSerName val="0"/>
               <c:showPercent val="0"/>
               <c:showBubbleSize val="0"/>
-              <c:extLst>
+              <c:extLst xmlns:c16r2="http://schemas.microsoft.com/office/drawing/2015/06/chart">
+                <c:ext xmlns:c16="http://schemas.microsoft.com/office/drawing/2014/chart" uri="{C3380CC4-5D6E-409C-BE32-E72D297353CC}">
+                  <c16:uniqueId val="{00000001-3559-4876-8630-FAE31BFF3B64}"/>
+                </c:ext>
                 <c:ext xmlns:c15="http://schemas.microsoft.com/office/drawing/2012/chart" uri="{CE6537A1-D6FC-4f65-9D91-7224C49458BB}">
                   <c15:layout/>
                 </c:ext>
@@ -230,7 +237,10 @@
               <c:showSerName val="0"/>
               <c:showPercent val="0"/>
               <c:showBubbleSize val="0"/>
-              <c:extLst>
+              <c:extLst xmlns:c16r2="http://schemas.microsoft.com/office/drawing/2015/06/chart">
+                <c:ext xmlns:c16="http://schemas.microsoft.com/office/drawing/2014/chart" uri="{C3380CC4-5D6E-409C-BE32-E72D297353CC}">
+                  <c16:uniqueId val="{00000002-3559-4876-8630-FAE31BFF3B64}"/>
+                </c:ext>
                 <c:ext xmlns:c15="http://schemas.microsoft.com/office/drawing/2012/chart" uri="{CE6537A1-D6FC-4f65-9D91-7224C49458BB}">
                   <c15:layout/>
                 </c:ext>
@@ -240,8 +250,8 @@
               <c:idx val="3"/>
               <c:layout>
                 <c:manualLayout>
-                  <c:x val="-1.3873133718242472E-2"/>
-                  <c:y val="-2.5614777451887782E-8"/>
+                  <c:x val="-1.7554196077282803E-2"/>
+                  <c:y val="-2.5614777495033275E-8"/>
                 </c:manualLayout>
               </c:layout>
               <c:dLblPos val="outEnd"/>
@@ -251,11 +261,14 @@
               <c:showSerName val="0"/>
               <c:showPercent val="0"/>
               <c:showBubbleSize val="0"/>
-              <c:extLst>
+              <c:extLst xmlns:c16r2="http://schemas.microsoft.com/office/drawing/2015/06/chart">
+                <c:ext xmlns:c16="http://schemas.microsoft.com/office/drawing/2014/chart" uri="{C3380CC4-5D6E-409C-BE32-E72D297353CC}">
+                  <c16:uniqueId val="{00000003-3559-4876-8630-FAE31BFF3B64}"/>
+                </c:ext>
                 <c:ext xmlns:c15="http://schemas.microsoft.com/office/drawing/2012/chart" uri="{CE6537A1-D6FC-4f65-9D91-7224C49458BB}">
                   <c15:layout>
                     <c:manualLayout>
-                      <c:w val="8.1884699788526888E-2"/>
+                      <c:w val="7.4521308662585786E-2"/>
                       <c:h val="7.0240995536474546E-2"/>
                     </c:manualLayout>
                   </c15:layout>
@@ -277,7 +290,10 @@
               <c:showSerName val="0"/>
               <c:showPercent val="0"/>
               <c:showBubbleSize val="0"/>
-              <c:extLst>
+              <c:extLst xmlns:c16r2="http://schemas.microsoft.com/office/drawing/2015/06/chart">
+                <c:ext xmlns:c16="http://schemas.microsoft.com/office/drawing/2014/chart" uri="{C3380CC4-5D6E-409C-BE32-E72D297353CC}">
+                  <c16:uniqueId val="{00000004-3559-4876-8630-FAE31BFF3B64}"/>
+                </c:ext>
                 <c:ext xmlns:c15="http://schemas.microsoft.com/office/drawing/2012/chart" uri="{CE6537A1-D6FC-4f65-9D91-7224C49458BB}">
                   <c15:layout/>
                 </c:ext>
@@ -298,7 +314,10 @@
               <c:showSerName val="0"/>
               <c:showPercent val="0"/>
               <c:showBubbleSize val="0"/>
-              <c:extLst>
+              <c:extLst xmlns:c16r2="http://schemas.microsoft.com/office/drawing/2015/06/chart">
+                <c:ext xmlns:c16="http://schemas.microsoft.com/office/drawing/2014/chart" uri="{C3380CC4-5D6E-409C-BE32-E72D297353CC}">
+                  <c16:uniqueId val="{00000005-3559-4876-8630-FAE31BFF3B64}"/>
+                </c:ext>
                 <c:ext xmlns:c15="http://schemas.microsoft.com/office/drawing/2012/chart" uri="{CE6537A1-D6FC-4f65-9D91-7224C49458BB}">
                   <c15:layout/>
                 </c:ext>
@@ -342,7 +361,7 @@
             <c:showPercent val="0"/>
             <c:showBubbleSize val="0"/>
             <c:showLeaderLines val="0"/>
-            <c:extLst>
+            <c:extLst xmlns:c16r2="http://schemas.microsoft.com/office/drawing/2015/06/chart">
               <c:ext xmlns:c15="http://schemas.microsoft.com/office/drawing/2012/chart" uri="{CE6537A1-D6FC-4f65-9D91-7224C49458BB}">
                 <c15:showLeaderLines val="1"/>
                 <c15:leaderLines>
@@ -395,26 +414,31 @@
                 <c:formatCode>General</c:formatCode>
                 <c:ptCount val="6"/>
                 <c:pt idx="0">
-                  <c:v>77.207599999999985</c:v>
+                  <c:v>77.413250000000005</c:v>
                 </c:pt>
                 <c:pt idx="1">
-                  <c:v>80.740600000000001</c:v>
+                  <c:v>80.18504999999999</c:v>
                 </c:pt>
                 <c:pt idx="2">
-                  <c:v>74.095300000000009</c:v>
+                  <c:v>74.356549999999999</c:v>
                 </c:pt>
                 <c:pt idx="3">
-                  <c:v>74.056000000000012</c:v>
+                  <c:v>73.048300000000012</c:v>
                 </c:pt>
                 <c:pt idx="4">
-                  <c:v>95.959600000000009</c:v>
+                  <c:v>95.757599999999982</c:v>
                 </c:pt>
                 <c:pt idx="5">
-                  <c:v>91.437399999999997</c:v>
+                  <c:v>91.429599999999994</c:v>
                 </c:pt>
               </c:numCache>
             </c:numRef>
           </c:val>
+          <c:extLst xmlns:c16r2="http://schemas.microsoft.com/office/drawing/2015/06/chart">
+            <c:ext xmlns:c16="http://schemas.microsoft.com/office/drawing/2014/chart" uri="{C3380CC4-5D6E-409C-BE32-E72D297353CC}">
+              <c16:uniqueId val="{00000006-3559-4876-8630-FAE31BFF3B64}"/>
+            </c:ext>
+          </c:extLst>
         </c:ser>
         <c:ser>
           <c:idx val="1"/>
@@ -448,7 +472,10 @@
               <c:showSerName val="0"/>
               <c:showPercent val="0"/>
               <c:showBubbleSize val="0"/>
-              <c:extLst>
+              <c:extLst xmlns:c16r2="http://schemas.microsoft.com/office/drawing/2015/06/chart">
+                <c:ext xmlns:c16="http://schemas.microsoft.com/office/drawing/2014/chart" uri="{C3380CC4-5D6E-409C-BE32-E72D297353CC}">
+                  <c16:uniqueId val="{00000007-3559-4876-8630-FAE31BFF3B64}"/>
+                </c:ext>
                 <c:ext xmlns:c15="http://schemas.microsoft.com/office/drawing/2012/chart" uri="{CE6537A1-D6FC-4f65-9D91-7224C49458BB}">
                   <c15:layout/>
                 </c:ext>
@@ -469,7 +496,10 @@
               <c:showSerName val="0"/>
               <c:showPercent val="0"/>
               <c:showBubbleSize val="0"/>
-              <c:extLst>
+              <c:extLst xmlns:c16r2="http://schemas.microsoft.com/office/drawing/2015/06/chart">
+                <c:ext xmlns:c16="http://schemas.microsoft.com/office/drawing/2014/chart" uri="{C3380CC4-5D6E-409C-BE32-E72D297353CC}">
+                  <c16:uniqueId val="{00000008-3559-4876-8630-FAE31BFF3B64}"/>
+                </c:ext>
                 <c:ext xmlns:c15="http://schemas.microsoft.com/office/drawing/2012/chart" uri="{CE6537A1-D6FC-4f65-9D91-7224C49458BB}">
                   <c15:layout/>
                 </c:ext>
@@ -490,7 +520,10 @@
               <c:showSerName val="0"/>
               <c:showPercent val="0"/>
               <c:showBubbleSize val="0"/>
-              <c:extLst>
+              <c:extLst xmlns:c16r2="http://schemas.microsoft.com/office/drawing/2015/06/chart">
+                <c:ext xmlns:c16="http://schemas.microsoft.com/office/drawing/2014/chart" uri="{C3380CC4-5D6E-409C-BE32-E72D297353CC}">
+                  <c16:uniqueId val="{00000009-3559-4876-8630-FAE31BFF3B64}"/>
+                </c:ext>
                 <c:ext xmlns:c15="http://schemas.microsoft.com/office/drawing/2012/chart" uri="{CE6537A1-D6FC-4f65-9D91-7224C49458BB}">
                   <c15:layout/>
                 </c:ext>
@@ -511,7 +544,10 @@
               <c:showSerName val="0"/>
               <c:showPercent val="0"/>
               <c:showBubbleSize val="0"/>
-              <c:extLst>
+              <c:extLst xmlns:c16r2="http://schemas.microsoft.com/office/drawing/2015/06/chart">
+                <c:ext xmlns:c16="http://schemas.microsoft.com/office/drawing/2014/chart" uri="{C3380CC4-5D6E-409C-BE32-E72D297353CC}">
+                  <c16:uniqueId val="{0000000A-3559-4876-8630-FAE31BFF3B64}"/>
+                </c:ext>
                 <c:ext xmlns:c15="http://schemas.microsoft.com/office/drawing/2012/chart" uri="{CE6537A1-D6FC-4f65-9D91-7224C49458BB}">
                   <c15:layout/>
                 </c:ext>
@@ -532,7 +568,10 @@
               <c:showSerName val="0"/>
               <c:showPercent val="0"/>
               <c:showBubbleSize val="0"/>
-              <c:extLst>
+              <c:extLst xmlns:c16r2="http://schemas.microsoft.com/office/drawing/2015/06/chart">
+                <c:ext xmlns:c16="http://schemas.microsoft.com/office/drawing/2014/chart" uri="{C3380CC4-5D6E-409C-BE32-E72D297353CC}">
+                  <c16:uniqueId val="{0000000B-3559-4876-8630-FAE31BFF3B64}"/>
+                </c:ext>
                 <c:ext xmlns:c15="http://schemas.microsoft.com/office/drawing/2012/chart" uri="{CE6537A1-D6FC-4f65-9D91-7224C49458BB}">
                   <c15:layout/>
                 </c:ext>
@@ -553,7 +592,10 @@
               <c:showSerName val="0"/>
               <c:showPercent val="0"/>
               <c:showBubbleSize val="0"/>
-              <c:extLst>
+              <c:extLst xmlns:c16r2="http://schemas.microsoft.com/office/drawing/2015/06/chart">
+                <c:ext xmlns:c16="http://schemas.microsoft.com/office/drawing/2014/chart" uri="{C3380CC4-5D6E-409C-BE32-E72D297353CC}">
+                  <c16:uniqueId val="{0000000C-3559-4876-8630-FAE31BFF3B64}"/>
+                </c:ext>
                 <c:ext xmlns:c15="http://schemas.microsoft.com/office/drawing/2012/chart" uri="{CE6537A1-D6FC-4f65-9D91-7224C49458BB}">
                   <c15:layout/>
                 </c:ext>
@@ -597,7 +639,7 @@
             <c:showPercent val="0"/>
             <c:showBubbleSize val="0"/>
             <c:showLeaderLines val="0"/>
-            <c:extLst>
+            <c:extLst xmlns:c16r2="http://schemas.microsoft.com/office/drawing/2015/06/chart">
               <c:ext xmlns:c15="http://schemas.microsoft.com/office/drawing/2012/chart" uri="{CE6537A1-D6FC-4f65-9D91-7224C49458BB}">
                 <c15:showLeaderLines val="1"/>
                 <c15:leaderLines>
@@ -670,6 +712,11 @@
               </c:numCache>
             </c:numRef>
           </c:val>
+          <c:extLst xmlns:c16r2="http://schemas.microsoft.com/office/drawing/2015/06/chart">
+            <c:ext xmlns:c16="http://schemas.microsoft.com/office/drawing/2014/chart" uri="{C3380CC4-5D6E-409C-BE32-E72D297353CC}">
+              <c16:uniqueId val="{0000000D-3559-4876-8630-FAE31BFF3B64}"/>
+            </c:ext>
+          </c:extLst>
         </c:ser>
         <c:dLbls>
           <c:dLblPos val="outEnd"/>
@@ -682,11 +729,11 @@
         </c:dLbls>
         <c:gapWidth val="219"/>
         <c:overlap val="-27"/>
-        <c:axId val="420915344"/>
-        <c:axId val="420915728"/>
+        <c:axId val="422219016"/>
+        <c:axId val="422227640"/>
       </c:barChart>
       <c:catAx>
-        <c:axId val="420915344"/>
+        <c:axId val="422219016"/>
         <c:scaling>
           <c:orientation val="minMax"/>
         </c:scaling>
@@ -729,7 +776,7 @@
             <a:endParaRPr lang="ja-JP"/>
           </a:p>
         </c:txPr>
-        <c:crossAx val="420915728"/>
+        <c:crossAx val="422227640"/>
         <c:crosses val="autoZero"/>
         <c:auto val="1"/>
         <c:lblAlgn val="ctr"/>
@@ -737,7 +784,7 @@
         <c:noMultiLvlLbl val="0"/>
       </c:catAx>
       <c:valAx>
-        <c:axId val="420915728"/>
+        <c:axId val="422227640"/>
         <c:scaling>
           <c:orientation val="minMax"/>
           <c:max val="100"/>
@@ -845,7 +892,7 @@
             <a:endParaRPr lang="ja-JP"/>
           </a:p>
         </c:txPr>
-        <c:crossAx val="420915344"/>
+        <c:crossAx val="422219016"/>
         <c:crosses val="autoZero"/>
         <c:crossBetween val="between"/>
         <c:majorUnit val="20"/>
@@ -989,7 +1036,10 @@
               <c:showSerName val="0"/>
               <c:showPercent val="0"/>
               <c:showBubbleSize val="0"/>
-              <c:extLst>
+              <c:extLst xmlns:c16r2="http://schemas.microsoft.com/office/drawing/2015/06/chart">
+                <c:ext xmlns:c16="http://schemas.microsoft.com/office/drawing/2014/chart" uri="{C3380CC4-5D6E-409C-BE32-E72D297353CC}">
+                  <c16:uniqueId val="{00000000-C110-42E4-A017-9A82C21E4DA6}"/>
+                </c:ext>
                 <c:ext xmlns:c15="http://schemas.microsoft.com/office/drawing/2012/chart" uri="{CE6537A1-D6FC-4f65-9D91-7224C49458BB}">
                   <c15:layout/>
                 </c:ext>
@@ -1010,7 +1060,10 @@
               <c:showSerName val="0"/>
               <c:showPercent val="0"/>
               <c:showBubbleSize val="0"/>
-              <c:extLst>
+              <c:extLst xmlns:c16r2="http://schemas.microsoft.com/office/drawing/2015/06/chart">
+                <c:ext xmlns:c16="http://schemas.microsoft.com/office/drawing/2014/chart" uri="{C3380CC4-5D6E-409C-BE32-E72D297353CC}">
+                  <c16:uniqueId val="{00000001-C110-42E4-A017-9A82C21E4DA6}"/>
+                </c:ext>
                 <c:ext xmlns:c15="http://schemas.microsoft.com/office/drawing/2012/chart" uri="{CE6537A1-D6FC-4f65-9D91-7224C49458BB}">
                   <c15:layout/>
                 </c:ext>
@@ -1031,7 +1084,10 @@
               <c:showSerName val="0"/>
               <c:showPercent val="0"/>
               <c:showBubbleSize val="0"/>
-              <c:extLst>
+              <c:extLst xmlns:c16r2="http://schemas.microsoft.com/office/drawing/2015/06/chart">
+                <c:ext xmlns:c16="http://schemas.microsoft.com/office/drawing/2014/chart" uri="{C3380CC4-5D6E-409C-BE32-E72D297353CC}">
+                  <c16:uniqueId val="{00000002-C110-42E4-A017-9A82C21E4DA6}"/>
+                </c:ext>
                 <c:ext xmlns:c15="http://schemas.microsoft.com/office/drawing/2012/chart" uri="{CE6537A1-D6FC-4f65-9D91-7224C49458BB}">
                   <c15:layout/>
                 </c:ext>
@@ -1041,8 +1097,8 @@
               <c:idx val="3"/>
               <c:layout>
                 <c:manualLayout>
-                  <c:x val="-1.3873118681763968E-2"/>
-                  <c:y val="-4.3145493594880746E-17"/>
+                  <c:x val="-1.4609506951156412E-2"/>
+                  <c:y val="-2.5614777451887782E-8"/>
                 </c:manualLayout>
               </c:layout>
               <c:dLblPos val="outEnd"/>
@@ -1056,7 +1112,7 @@
                 <c:ext xmlns:c15="http://schemas.microsoft.com/office/drawing/2012/chart" uri="{CE6537A1-D6FC-4f65-9D91-7224C49458BB}">
                   <c15:layout>
                     <c:manualLayout>
-                      <c:w val="8.1884699788526888E-2"/>
+                      <c:w val="6.8631863290669629E-2"/>
                       <c:h val="7.0240995536474546E-2"/>
                     </c:manualLayout>
                   </c15:layout>
@@ -1078,7 +1134,10 @@
               <c:showSerName val="0"/>
               <c:showPercent val="0"/>
               <c:showBubbleSize val="0"/>
-              <c:extLst>
+              <c:extLst xmlns:c16r2="http://schemas.microsoft.com/office/drawing/2015/06/chart">
+                <c:ext xmlns:c16="http://schemas.microsoft.com/office/drawing/2014/chart" uri="{C3380CC4-5D6E-409C-BE32-E72D297353CC}">
+                  <c16:uniqueId val="{00000004-C110-42E4-A017-9A82C21E4DA6}"/>
+                </c:ext>
                 <c:ext xmlns:c15="http://schemas.microsoft.com/office/drawing/2012/chart" uri="{CE6537A1-D6FC-4f65-9D91-7224C49458BB}">
                   <c15:layout/>
                 </c:ext>
@@ -1099,7 +1158,10 @@
               <c:showSerName val="0"/>
               <c:showPercent val="0"/>
               <c:showBubbleSize val="0"/>
-              <c:extLst>
+              <c:extLst xmlns:c16r2="http://schemas.microsoft.com/office/drawing/2015/06/chart">
+                <c:ext xmlns:c16="http://schemas.microsoft.com/office/drawing/2014/chart" uri="{C3380CC4-5D6E-409C-BE32-E72D297353CC}">
+                  <c16:uniqueId val="{00000005-C110-42E4-A017-9A82C21E4DA6}"/>
+                </c:ext>
                 <c:ext xmlns:c15="http://schemas.microsoft.com/office/drawing/2012/chart" uri="{CE6537A1-D6FC-4f65-9D91-7224C49458BB}">
                   <c15:layout/>
                 </c:ext>
@@ -1143,7 +1205,7 @@
             <c:showPercent val="0"/>
             <c:showBubbleSize val="0"/>
             <c:showLeaderLines val="0"/>
-            <c:extLst>
+            <c:extLst xmlns:c16r2="http://schemas.microsoft.com/office/drawing/2015/06/chart">
               <c:ext xmlns:c15="http://schemas.microsoft.com/office/drawing/2012/chart" uri="{CE6537A1-D6FC-4f65-9D91-7224C49458BB}">
                 <c15:showLeaderLines val="1"/>
                 <c15:leaderLines>
@@ -1196,26 +1258,31 @@
                 <c:formatCode>General</c:formatCode>
                 <c:ptCount val="6"/>
                 <c:pt idx="0">
-                  <c:v>76.212050000000005</c:v>
+                  <c:v>76.428550000000001</c:v>
                 </c:pt>
                 <c:pt idx="1">
-                  <c:v>81.296199999999999</c:v>
+                  <c:v>81.481449999999981</c:v>
                 </c:pt>
                 <c:pt idx="2">
-                  <c:v>74.943550000000002</c:v>
+                  <c:v>74.612949999999984</c:v>
                 </c:pt>
                 <c:pt idx="3">
-                  <c:v>74</c:v>
+                  <c:v>73.935700000000011</c:v>
                 </c:pt>
                 <c:pt idx="4">
-                  <c:v>93.030250000000009</c:v>
+                  <c:v>93.636200000000017</c:v>
                 </c:pt>
                 <c:pt idx="5">
-                  <c:v>90.753700000000009</c:v>
+                  <c:v>90.769199999999998</c:v>
                 </c:pt>
               </c:numCache>
             </c:numRef>
           </c:val>
+          <c:extLst xmlns:c16r2="http://schemas.microsoft.com/office/drawing/2015/06/chart">
+            <c:ext xmlns:c16="http://schemas.microsoft.com/office/drawing/2014/chart" uri="{C3380CC4-5D6E-409C-BE32-E72D297353CC}">
+              <c16:uniqueId val="{00000006-C110-42E4-A017-9A82C21E4DA6}"/>
+            </c:ext>
+          </c:extLst>
         </c:ser>
         <c:ser>
           <c:idx val="1"/>
@@ -1249,7 +1316,10 @@
               <c:showSerName val="0"/>
               <c:showPercent val="0"/>
               <c:showBubbleSize val="0"/>
-              <c:extLst>
+              <c:extLst xmlns:c16r2="http://schemas.microsoft.com/office/drawing/2015/06/chart">
+                <c:ext xmlns:c16="http://schemas.microsoft.com/office/drawing/2014/chart" uri="{C3380CC4-5D6E-409C-BE32-E72D297353CC}">
+                  <c16:uniqueId val="{00000007-C110-42E4-A017-9A82C21E4DA6}"/>
+                </c:ext>
                 <c:ext xmlns:c15="http://schemas.microsoft.com/office/drawing/2012/chart" uri="{CE6537A1-D6FC-4f65-9D91-7224C49458BB}">
                   <c15:layout/>
                 </c:ext>
@@ -1270,7 +1340,10 @@
               <c:showSerName val="0"/>
               <c:showPercent val="0"/>
               <c:showBubbleSize val="0"/>
-              <c:extLst>
+              <c:extLst xmlns:c16r2="http://schemas.microsoft.com/office/drawing/2015/06/chart">
+                <c:ext xmlns:c16="http://schemas.microsoft.com/office/drawing/2014/chart" uri="{C3380CC4-5D6E-409C-BE32-E72D297353CC}">
+                  <c16:uniqueId val="{00000008-C110-42E4-A017-9A82C21E4DA6}"/>
+                </c:ext>
                 <c:ext xmlns:c15="http://schemas.microsoft.com/office/drawing/2012/chart" uri="{CE6537A1-D6FC-4f65-9D91-7224C49458BB}">
                   <c15:layout/>
                 </c:ext>
@@ -1291,7 +1364,10 @@
               <c:showSerName val="0"/>
               <c:showPercent val="0"/>
               <c:showBubbleSize val="0"/>
-              <c:extLst>
+              <c:extLst xmlns:c16r2="http://schemas.microsoft.com/office/drawing/2015/06/chart">
+                <c:ext xmlns:c16="http://schemas.microsoft.com/office/drawing/2014/chart" uri="{C3380CC4-5D6E-409C-BE32-E72D297353CC}">
+                  <c16:uniqueId val="{00000009-C110-42E4-A017-9A82C21E4DA6}"/>
+                </c:ext>
                 <c:ext xmlns:c15="http://schemas.microsoft.com/office/drawing/2012/chart" uri="{CE6537A1-D6FC-4f65-9D91-7224C49458BB}">
                   <c15:layout/>
                 </c:ext>
@@ -1312,7 +1388,10 @@
               <c:showSerName val="0"/>
               <c:showPercent val="0"/>
               <c:showBubbleSize val="0"/>
-              <c:extLst>
+              <c:extLst xmlns:c16r2="http://schemas.microsoft.com/office/drawing/2015/06/chart">
+                <c:ext xmlns:c16="http://schemas.microsoft.com/office/drawing/2014/chart" uri="{C3380CC4-5D6E-409C-BE32-E72D297353CC}">
+                  <c16:uniqueId val="{0000000A-C110-42E4-A017-9A82C21E4DA6}"/>
+                </c:ext>
                 <c:ext xmlns:c15="http://schemas.microsoft.com/office/drawing/2012/chart" uri="{CE6537A1-D6FC-4f65-9D91-7224C49458BB}">
                   <c15:layout/>
                 </c:ext>
@@ -1333,7 +1412,10 @@
               <c:showSerName val="0"/>
               <c:showPercent val="0"/>
               <c:showBubbleSize val="0"/>
-              <c:extLst>
+              <c:extLst xmlns:c16r2="http://schemas.microsoft.com/office/drawing/2015/06/chart">
+                <c:ext xmlns:c16="http://schemas.microsoft.com/office/drawing/2014/chart" uri="{C3380CC4-5D6E-409C-BE32-E72D297353CC}">
+                  <c16:uniqueId val="{0000000B-C110-42E4-A017-9A82C21E4DA6}"/>
+                </c:ext>
                 <c:ext xmlns:c15="http://schemas.microsoft.com/office/drawing/2012/chart" uri="{CE6537A1-D6FC-4f65-9D91-7224C49458BB}">
                   <c15:layout/>
                 </c:ext>
@@ -1354,7 +1436,10 @@
               <c:showSerName val="0"/>
               <c:showPercent val="0"/>
               <c:showBubbleSize val="0"/>
-              <c:extLst>
+              <c:extLst xmlns:c16r2="http://schemas.microsoft.com/office/drawing/2015/06/chart">
+                <c:ext xmlns:c16="http://schemas.microsoft.com/office/drawing/2014/chart" uri="{C3380CC4-5D6E-409C-BE32-E72D297353CC}">
+                  <c16:uniqueId val="{0000000C-C110-42E4-A017-9A82C21E4DA6}"/>
+                </c:ext>
                 <c:ext xmlns:c15="http://schemas.microsoft.com/office/drawing/2012/chart" uri="{CE6537A1-D6FC-4f65-9D91-7224C49458BB}">
                   <c15:layout/>
                 </c:ext>
@@ -1398,7 +1483,7 @@
             <c:showPercent val="0"/>
             <c:showBubbleSize val="0"/>
             <c:showLeaderLines val="0"/>
-            <c:extLst>
+            <c:extLst xmlns:c16r2="http://schemas.microsoft.com/office/drawing/2015/06/chart">
               <c:ext xmlns:c15="http://schemas.microsoft.com/office/drawing/2012/chart" uri="{CE6537A1-D6FC-4f65-9D91-7224C49458BB}">
                 <c15:showLeaderLines val="1"/>
                 <c15:leaderLines>
@@ -1471,6 +1556,11 @@
               </c:numCache>
             </c:numRef>
           </c:val>
+          <c:extLst xmlns:c16r2="http://schemas.microsoft.com/office/drawing/2015/06/chart">
+            <c:ext xmlns:c16="http://schemas.microsoft.com/office/drawing/2014/chart" uri="{C3380CC4-5D6E-409C-BE32-E72D297353CC}">
+              <c16:uniqueId val="{0000000D-C110-42E4-A017-9A82C21E4DA6}"/>
+            </c:ext>
+          </c:extLst>
         </c:ser>
         <c:dLbls>
           <c:dLblPos val="outEnd"/>
@@ -1483,11 +1573,11 @@
         </c:dLbls>
         <c:gapWidth val="219"/>
         <c:overlap val="-27"/>
-        <c:axId val="421639920"/>
-        <c:axId val="353142248"/>
+        <c:axId val="500641256"/>
+        <c:axId val="500649488"/>
       </c:barChart>
       <c:catAx>
-        <c:axId val="421639920"/>
+        <c:axId val="500641256"/>
         <c:scaling>
           <c:orientation val="minMax"/>
         </c:scaling>
@@ -1530,7 +1620,7 @@
             <a:endParaRPr lang="ja-JP"/>
           </a:p>
         </c:txPr>
-        <c:crossAx val="353142248"/>
+        <c:crossAx val="500649488"/>
         <c:crosses val="autoZero"/>
         <c:auto val="1"/>
         <c:lblAlgn val="ctr"/>
@@ -1538,7 +1628,7 @@
         <c:noMultiLvlLbl val="0"/>
       </c:catAx>
       <c:valAx>
-        <c:axId val="353142248"/>
+        <c:axId val="500649488"/>
         <c:scaling>
           <c:orientation val="minMax"/>
           <c:max val="100"/>
@@ -1646,7 +1736,7 @@
             <a:endParaRPr lang="ja-JP"/>
           </a:p>
         </c:txPr>
-        <c:crossAx val="421639920"/>
+        <c:crossAx val="500641256"/>
         <c:crosses val="autoZero"/>
         <c:crossBetween val="between"/>
         <c:majorUnit val="20"/>
@@ -2895,7 +2985,7 @@
           <a:p>
             <a:fld id="{180B5556-BCC9-4B19-BEF2-1B111DE5EE18}" type="datetimeFigureOut">
               <a:rPr kumimoji="1" lang="ja-JP" altLang="en-US" smtClean="0"/>
-              <a:t>2019/4/21</a:t>
+              <a:t>2019/5/8</a:t>
             </a:fld>
             <a:endParaRPr kumimoji="1" lang="ja-JP" altLang="en-US"/>
           </a:p>
@@ -7375,6 +7465,1429 @@
       </p:par>
     </p:tnLst>
   </p:timing>
+</p:sldLayout>
+</file>
+
+<file path=ppt/slideLayouts/slideLayout30.xml><?xml version="1.0" encoding="utf-8"?>
+<p:sldLayout xmlns:a="http://schemas.openxmlformats.org/drawingml/2006/main" xmlns:r="http://schemas.openxmlformats.org/officeDocument/2006/relationships" xmlns:p="http://schemas.openxmlformats.org/presentationml/2006/main" showMasterSp="0" type="title" preserve="1">
+  <p:cSld name="タイトル スライド">
+    <p:spTree>
+      <p:nvGrpSpPr>
+        <p:cNvPr id="1" name=""/>
+        <p:cNvGrpSpPr/>
+        <p:nvPr/>
+      </p:nvGrpSpPr>
+      <p:grpSpPr>
+        <a:xfrm>
+          <a:off x="0" y="0"/>
+          <a:ext cx="0" cy="0"/>
+          <a:chOff x="0" y="0"/>
+          <a:chExt cx="0" cy="0"/>
+        </a:xfrm>
+      </p:grpSpPr>
+      <p:sp>
+        <p:nvSpPr>
+          <p:cNvPr id="4" name="Rectangle 7"/>
+          <p:cNvSpPr>
+            <a:spLocks noChangeArrowheads="1"/>
+          </p:cNvSpPr>
+          <p:nvPr/>
+        </p:nvSpPr>
+        <p:spPr bwMode="auto">
+          <a:xfrm>
+            <a:off x="0" y="0"/>
+            <a:ext cx="9144000" cy="4114800"/>
+          </a:xfrm>
+          <a:prstGeom prst="rect">
+            <a:avLst/>
+          </a:prstGeom>
+          <a:solidFill>
+            <a:schemeClr val="accent2"/>
+          </a:solidFill>
+          <a:ln w="9525">
+            <a:solidFill>
+              <a:schemeClr val="accent2"/>
+            </a:solidFill>
+            <a:miter lim="800000"/>
+            <a:headEnd/>
+            <a:tailEnd/>
+          </a:ln>
+        </p:spPr>
+        <p:txBody>
+          <a:bodyPr wrap="none" anchor="ctr"/>
+          <a:lstStyle>
+            <a:lvl1pPr eaLnBrk="0" hangingPunct="0">
+              <a:defRPr kumimoji="1">
+                <a:solidFill>
+                  <a:schemeClr val="tx1"/>
+                </a:solidFill>
+                <a:latin typeface="Arial" pitchFamily="34" charset="0"/>
+                <a:ea typeface="ＭＳ Ｐゴシック" pitchFamily="50" charset="-128"/>
+              </a:defRPr>
+            </a:lvl1pPr>
+            <a:lvl2pPr marL="742950" indent="-285750" eaLnBrk="0" hangingPunct="0">
+              <a:defRPr kumimoji="1">
+                <a:solidFill>
+                  <a:schemeClr val="tx1"/>
+                </a:solidFill>
+                <a:latin typeface="Arial" pitchFamily="34" charset="0"/>
+                <a:ea typeface="ＭＳ Ｐゴシック" pitchFamily="50" charset="-128"/>
+              </a:defRPr>
+            </a:lvl2pPr>
+            <a:lvl3pPr marL="1143000" indent="-228600" eaLnBrk="0" hangingPunct="0">
+              <a:defRPr kumimoji="1">
+                <a:solidFill>
+                  <a:schemeClr val="tx1"/>
+                </a:solidFill>
+                <a:latin typeface="Arial" pitchFamily="34" charset="0"/>
+                <a:ea typeface="ＭＳ Ｐゴシック" pitchFamily="50" charset="-128"/>
+              </a:defRPr>
+            </a:lvl3pPr>
+            <a:lvl4pPr marL="1600200" indent="-228600" eaLnBrk="0" hangingPunct="0">
+              <a:defRPr kumimoji="1">
+                <a:solidFill>
+                  <a:schemeClr val="tx1"/>
+                </a:solidFill>
+                <a:latin typeface="Arial" pitchFamily="34" charset="0"/>
+                <a:ea typeface="ＭＳ Ｐゴシック" pitchFamily="50" charset="-128"/>
+              </a:defRPr>
+            </a:lvl4pPr>
+            <a:lvl5pPr marL="2057400" indent="-228600" eaLnBrk="0" hangingPunct="0">
+              <a:defRPr kumimoji="1">
+                <a:solidFill>
+                  <a:schemeClr val="tx1"/>
+                </a:solidFill>
+                <a:latin typeface="Arial" pitchFamily="34" charset="0"/>
+                <a:ea typeface="ＭＳ Ｐゴシック" pitchFamily="50" charset="-128"/>
+              </a:defRPr>
+            </a:lvl5pPr>
+            <a:lvl6pPr marL="2514600" indent="-228600" eaLnBrk="0" fontAlgn="base" hangingPunct="0">
+              <a:spcBef>
+                <a:spcPct val="0"/>
+              </a:spcBef>
+              <a:spcAft>
+                <a:spcPct val="0"/>
+              </a:spcAft>
+              <a:defRPr kumimoji="1">
+                <a:solidFill>
+                  <a:schemeClr val="tx1"/>
+                </a:solidFill>
+                <a:latin typeface="Arial" pitchFamily="34" charset="0"/>
+                <a:ea typeface="ＭＳ Ｐゴシック" pitchFamily="50" charset="-128"/>
+              </a:defRPr>
+            </a:lvl6pPr>
+            <a:lvl7pPr marL="2971800" indent="-228600" eaLnBrk="0" fontAlgn="base" hangingPunct="0">
+              <a:spcBef>
+                <a:spcPct val="0"/>
+              </a:spcBef>
+              <a:spcAft>
+                <a:spcPct val="0"/>
+              </a:spcAft>
+              <a:defRPr kumimoji="1">
+                <a:solidFill>
+                  <a:schemeClr val="tx1"/>
+                </a:solidFill>
+                <a:latin typeface="Arial" pitchFamily="34" charset="0"/>
+                <a:ea typeface="ＭＳ Ｐゴシック" pitchFamily="50" charset="-128"/>
+              </a:defRPr>
+            </a:lvl7pPr>
+            <a:lvl8pPr marL="3429000" indent="-228600" eaLnBrk="0" fontAlgn="base" hangingPunct="0">
+              <a:spcBef>
+                <a:spcPct val="0"/>
+              </a:spcBef>
+              <a:spcAft>
+                <a:spcPct val="0"/>
+              </a:spcAft>
+              <a:defRPr kumimoji="1">
+                <a:solidFill>
+                  <a:schemeClr val="tx1"/>
+                </a:solidFill>
+                <a:latin typeface="Arial" pitchFamily="34" charset="0"/>
+                <a:ea typeface="ＭＳ Ｐゴシック" pitchFamily="50" charset="-128"/>
+              </a:defRPr>
+            </a:lvl8pPr>
+            <a:lvl9pPr marL="3886200" indent="-228600" eaLnBrk="0" fontAlgn="base" hangingPunct="0">
+              <a:spcBef>
+                <a:spcPct val="0"/>
+              </a:spcBef>
+              <a:spcAft>
+                <a:spcPct val="0"/>
+              </a:spcAft>
+              <a:defRPr kumimoji="1">
+                <a:solidFill>
+                  <a:schemeClr val="tx1"/>
+                </a:solidFill>
+                <a:latin typeface="Arial" pitchFamily="34" charset="0"/>
+                <a:ea typeface="ＭＳ Ｐゴシック" pitchFamily="50" charset="-128"/>
+              </a:defRPr>
+            </a:lvl9pPr>
+          </a:lstStyle>
+          <a:p>
+            <a:pPr eaLnBrk="1" hangingPunct="1">
+              <a:defRPr/>
+            </a:pPr>
+            <a:endParaRPr lang="ja-JP" altLang="en-US" sz="1350"/>
+          </a:p>
+        </p:txBody>
+      </p:sp>
+      <p:sp>
+        <p:nvSpPr>
+          <p:cNvPr id="9218" name="Rectangle 2"/>
+          <p:cNvSpPr>
+            <a:spLocks noGrp="1" noChangeArrowheads="1"/>
+          </p:cNvSpPr>
+          <p:nvPr>
+            <p:ph type="ctrTitle"/>
+          </p:nvPr>
+        </p:nvSpPr>
+        <p:spPr>
+          <a:xfrm>
+            <a:off x="685800" y="2130431"/>
+            <a:ext cx="7772400" cy="1470025"/>
+          </a:xfrm>
+        </p:spPr>
+        <p:txBody>
+          <a:bodyPr/>
+          <a:lstStyle>
+            <a:lvl1pPr algn="ctr">
+              <a:defRPr sz="4400"/>
+            </a:lvl1pPr>
+          </a:lstStyle>
+          <a:p>
+            <a:r>
+              <a:rPr lang="ja-JP" altLang="en-US" smtClean="0"/>
+              <a:t>マスター タイトルの書式設定</a:t>
+            </a:r>
+            <a:endParaRPr lang="ja-JP" altLang="en-US" dirty="0"/>
+          </a:p>
+        </p:txBody>
+      </p:sp>
+      <p:sp>
+        <p:nvSpPr>
+          <p:cNvPr id="9219" name="Rectangle 3"/>
+          <p:cNvSpPr>
+            <a:spLocks noGrp="1" noChangeArrowheads="1"/>
+          </p:cNvSpPr>
+          <p:nvPr>
+            <p:ph type="subTitle" idx="1"/>
+          </p:nvPr>
+        </p:nvSpPr>
+        <p:spPr>
+          <a:xfrm>
+            <a:off x="1371600" y="4267200"/>
+            <a:ext cx="6400800" cy="1371600"/>
+          </a:xfrm>
+        </p:spPr>
+        <p:txBody>
+          <a:bodyPr anchor="ctr"/>
+          <a:lstStyle>
+            <a:lvl1pPr marL="0" indent="0" algn="ctr">
+              <a:buFontTx/>
+              <a:buNone/>
+              <a:defRPr sz="3200"/>
+            </a:lvl1pPr>
+          </a:lstStyle>
+          <a:p>
+            <a:r>
+              <a:rPr lang="ja-JP" altLang="en-US" smtClean="0"/>
+              <a:t>マスター サブタイトルの書式設定</a:t>
+            </a:r>
+            <a:endParaRPr lang="ja-JP" altLang="en-US" dirty="0"/>
+          </a:p>
+        </p:txBody>
+      </p:sp>
+      <p:sp>
+        <p:nvSpPr>
+          <p:cNvPr id="5" name="Rectangle 4"/>
+          <p:cNvSpPr>
+            <a:spLocks noGrp="1" noChangeArrowheads="1"/>
+          </p:cNvSpPr>
+          <p:nvPr>
+            <p:ph type="dt" sz="half" idx="10"/>
+          </p:nvPr>
+        </p:nvSpPr>
+        <p:spPr bwMode="auto">
+          <a:xfrm>
+            <a:off x="457200" y="6245225"/>
+            <a:ext cx="2133600" cy="476250"/>
+          </a:xfrm>
+          <a:prstGeom prst="rect">
+            <a:avLst/>
+          </a:prstGeom>
+          <a:ln>
+            <a:miter lim="800000"/>
+            <a:headEnd/>
+            <a:tailEnd/>
+          </a:ln>
+        </p:spPr>
+        <p:txBody>
+          <a:bodyPr vert="horz" wrap="square" lIns="91440" tIns="45720" rIns="91440" bIns="45720" numCol="1" anchor="t" anchorCtr="0" compatLnSpc="1">
+            <a:prstTxWarp prst="textNoShape">
+              <a:avLst/>
+            </a:prstTxWarp>
+          </a:bodyPr>
+          <a:lstStyle>
+            <a:lvl1pPr>
+              <a:defRPr kumimoji="0" sz="1050">
+                <a:latin typeface="Arial" charset="0"/>
+              </a:defRPr>
+            </a:lvl1pPr>
+          </a:lstStyle>
+          <a:p>
+            <a:endParaRPr kumimoji="1" lang="ja-JP" altLang="en-US"/>
+          </a:p>
+        </p:txBody>
+      </p:sp>
+      <p:sp>
+        <p:nvSpPr>
+          <p:cNvPr id="6" name="Rectangle 5"/>
+          <p:cNvSpPr>
+            <a:spLocks noGrp="1" noChangeArrowheads="1"/>
+          </p:cNvSpPr>
+          <p:nvPr>
+            <p:ph type="ftr" sz="quarter" idx="11"/>
+          </p:nvPr>
+        </p:nvSpPr>
+        <p:spPr bwMode="auto">
+          <a:xfrm>
+            <a:off x="3124200" y="6245225"/>
+            <a:ext cx="2895600" cy="476250"/>
+          </a:xfrm>
+          <a:prstGeom prst="rect">
+            <a:avLst/>
+          </a:prstGeom>
+          <a:ln>
+            <a:miter lim="800000"/>
+            <a:headEnd/>
+            <a:tailEnd/>
+          </a:ln>
+        </p:spPr>
+        <p:txBody>
+          <a:bodyPr vert="horz" wrap="square" lIns="91440" tIns="45720" rIns="91440" bIns="45720" numCol="1" anchor="t" anchorCtr="0" compatLnSpc="1">
+            <a:prstTxWarp prst="textNoShape">
+              <a:avLst/>
+            </a:prstTxWarp>
+          </a:bodyPr>
+          <a:lstStyle>
+            <a:lvl1pPr algn="ctr">
+              <a:defRPr kumimoji="0" sz="1050">
+                <a:latin typeface="Arial" charset="0"/>
+              </a:defRPr>
+            </a:lvl1pPr>
+          </a:lstStyle>
+          <a:p>
+            <a:endParaRPr kumimoji="1" lang="ja-JP" altLang="en-US"/>
+          </a:p>
+        </p:txBody>
+      </p:sp>
+    </p:spTree>
+    <p:extLst>
+      <p:ext uri="{BB962C8B-B14F-4D97-AF65-F5344CB8AC3E}">
+        <p14:creationId xmlns:p14="http://schemas.microsoft.com/office/powerpoint/2010/main" val="2555460175"/>
+      </p:ext>
+    </p:extLst>
+  </p:cSld>
+  <p:clrMapOvr>
+    <a:masterClrMapping/>
+  </p:clrMapOvr>
+  <p:timing>
+    <p:tnLst>
+      <p:par>
+        <p:cTn id="1" dur="indefinite" restart="never" nodeType="tmRoot"/>
+      </p:par>
+    </p:tnLst>
+  </p:timing>
+</p:sldLayout>
+</file>
+
+<file path=ppt/slideLayouts/slideLayout31.xml><?xml version="1.0" encoding="utf-8"?>
+<p:sldLayout xmlns:a="http://schemas.openxmlformats.org/drawingml/2006/main" xmlns:r="http://schemas.openxmlformats.org/officeDocument/2006/relationships" xmlns:p="http://schemas.openxmlformats.org/presentationml/2006/main" type="obj" preserve="1">
+  <p:cSld name="タイトルとコンテンツ">
+    <p:spTree>
+      <p:nvGrpSpPr>
+        <p:cNvPr id="1" name=""/>
+        <p:cNvGrpSpPr/>
+        <p:nvPr/>
+      </p:nvGrpSpPr>
+      <p:grpSpPr>
+        <a:xfrm>
+          <a:off x="0" y="0"/>
+          <a:ext cx="0" cy="0"/>
+          <a:chOff x="0" y="0"/>
+          <a:chExt cx="0" cy="0"/>
+        </a:xfrm>
+      </p:grpSpPr>
+      <p:sp>
+        <p:nvSpPr>
+          <p:cNvPr id="2" name="タイトル 1"/>
+          <p:cNvSpPr>
+            <a:spLocks noGrp="1"/>
+          </p:cNvSpPr>
+          <p:nvPr>
+            <p:ph type="title"/>
+          </p:nvPr>
+        </p:nvSpPr>
+        <p:spPr/>
+        <p:txBody>
+          <a:bodyPr/>
+          <a:lstStyle>
+            <a:lvl1pPr algn="l">
+              <a:defRPr sz="4400"/>
+            </a:lvl1pPr>
+          </a:lstStyle>
+          <a:p>
+            <a:r>
+              <a:rPr lang="ja-JP" altLang="en-US" smtClean="0"/>
+              <a:t>マスター タイトルの書式設定</a:t>
+            </a:r>
+            <a:endParaRPr lang="ja-JP" altLang="en-US" dirty="0"/>
+          </a:p>
+        </p:txBody>
+      </p:sp>
+      <p:sp>
+        <p:nvSpPr>
+          <p:cNvPr id="3" name="コンテンツ プレースホルダ 2"/>
+          <p:cNvSpPr>
+            <a:spLocks noGrp="1"/>
+          </p:cNvSpPr>
+          <p:nvPr>
+            <p:ph idx="1"/>
+          </p:nvPr>
+        </p:nvSpPr>
+        <p:spPr/>
+        <p:txBody>
+          <a:bodyPr/>
+          <a:lstStyle>
+            <a:lvl1pPr marL="0" indent="0" algn="just">
+              <a:buNone/>
+              <a:defRPr sz="3200"/>
+            </a:lvl1pPr>
+            <a:lvl2pPr marL="342900" indent="0" algn="just">
+              <a:buNone/>
+              <a:defRPr sz="2400"/>
+            </a:lvl2pPr>
+            <a:lvl3pPr marL="685800" indent="0" algn="just">
+              <a:buNone/>
+              <a:defRPr/>
+            </a:lvl3pPr>
+            <a:lvl4pPr marL="1028700" indent="0" algn="l">
+              <a:buNone/>
+              <a:defRPr/>
+            </a:lvl4pPr>
+            <a:lvl5pPr marL="1371600" indent="0" algn="l">
+              <a:buNone/>
+              <a:defRPr/>
+            </a:lvl5pPr>
+          </a:lstStyle>
+          <a:p>
+            <a:pPr lvl="0"/>
+            <a:r>
+              <a:rPr lang="ja-JP" altLang="en-US" smtClean="0"/>
+              <a:t>マスター テキストの書式設定</a:t>
+            </a:r>
+          </a:p>
+          <a:p>
+            <a:pPr lvl="1"/>
+            <a:r>
+              <a:rPr lang="ja-JP" altLang="en-US" smtClean="0"/>
+              <a:t>第 </a:t>
+            </a:r>
+            <a:r>
+              <a:rPr lang="en-US" altLang="ja-JP" smtClean="0"/>
+              <a:t>2 </a:t>
+            </a:r>
+            <a:r>
+              <a:rPr lang="ja-JP" altLang="en-US" smtClean="0"/>
+              <a:t>レベル</a:t>
+            </a:r>
+          </a:p>
+        </p:txBody>
+      </p:sp>
+      <p:sp>
+        <p:nvSpPr>
+          <p:cNvPr id="4" name="Rectangle 6"/>
+          <p:cNvSpPr>
+            <a:spLocks noGrp="1" noChangeArrowheads="1"/>
+          </p:cNvSpPr>
+          <p:nvPr>
+            <p:ph type="sldNum" sz="quarter" idx="12"/>
+          </p:nvPr>
+        </p:nvSpPr>
+        <p:spPr bwMode="auto">
+          <a:xfrm>
+            <a:off x="6781800" y="333375"/>
+            <a:ext cx="2133600" cy="476250"/>
+          </a:xfrm>
+          <a:prstGeom prst="rect">
+            <a:avLst/>
+          </a:prstGeom>
+          <a:ln>
+            <a:miter lim="800000"/>
+            <a:headEnd/>
+            <a:tailEnd/>
+          </a:ln>
+        </p:spPr>
+        <p:txBody>
+          <a:bodyPr vert="horz" wrap="square" lIns="91440" tIns="45720" rIns="91440" bIns="45720" numCol="1" anchor="t" anchorCtr="0" compatLnSpc="1">
+            <a:prstTxWarp prst="textNoShape">
+              <a:avLst/>
+            </a:prstTxWarp>
+          </a:bodyPr>
+          <a:lstStyle>
+            <a:lvl1pPr algn="r">
+              <a:defRPr kumimoji="0" sz="2800" b="1">
+                <a:solidFill>
+                  <a:srgbClr val="FFFF00"/>
+                </a:solidFill>
+              </a:defRPr>
+            </a:lvl1pPr>
+          </a:lstStyle>
+          <a:p>
+            <a:fld id="{B5C67937-D10B-4F1B-BCB2-26B69D4AE1E2}" type="slidenum">
+              <a:rPr kumimoji="1" lang="ja-JP" altLang="en-US" smtClean="0"/>
+              <a:pPr/>
+              <a:t>‹#›</a:t>
+            </a:fld>
+            <a:endParaRPr kumimoji="1" lang="ja-JP" altLang="en-US" dirty="0"/>
+          </a:p>
+        </p:txBody>
+      </p:sp>
+    </p:spTree>
+    <p:extLst>
+      <p:ext uri="{BB962C8B-B14F-4D97-AF65-F5344CB8AC3E}">
+        <p14:creationId xmlns:p14="http://schemas.microsoft.com/office/powerpoint/2010/main" val="3149555052"/>
+      </p:ext>
+    </p:extLst>
+  </p:cSld>
+  <p:clrMapOvr>
+    <a:masterClrMapping/>
+  </p:clrMapOvr>
+  <p:timing>
+    <p:tnLst>
+      <p:par>
+        <p:cTn id="1" dur="indefinite" restart="never" nodeType="tmRoot"/>
+      </p:par>
+    </p:tnLst>
+  </p:timing>
+</p:sldLayout>
+</file>
+
+<file path=ppt/slideLayouts/slideLayout32.xml><?xml version="1.0" encoding="utf-8"?>
+<p:sldLayout xmlns:a="http://schemas.openxmlformats.org/drawingml/2006/main" xmlns:r="http://schemas.openxmlformats.org/officeDocument/2006/relationships" xmlns:p="http://schemas.openxmlformats.org/presentationml/2006/main" preserve="1">
+  <p:cSld name="タイトル+サブタイトル">
+    <p:spTree>
+      <p:nvGrpSpPr>
+        <p:cNvPr id="1" name=""/>
+        <p:cNvGrpSpPr/>
+        <p:nvPr/>
+      </p:nvGrpSpPr>
+      <p:grpSpPr>
+        <a:xfrm>
+          <a:off x="0" y="0"/>
+          <a:ext cx="0" cy="0"/>
+          <a:chOff x="0" y="0"/>
+          <a:chExt cx="0" cy="0"/>
+        </a:xfrm>
+      </p:grpSpPr>
+      <p:sp>
+        <p:nvSpPr>
+          <p:cNvPr id="2" name="タイトル 1"/>
+          <p:cNvSpPr>
+            <a:spLocks noGrp="1"/>
+          </p:cNvSpPr>
+          <p:nvPr>
+            <p:ph type="title" hasCustomPrompt="1"/>
+          </p:nvPr>
+        </p:nvSpPr>
+        <p:spPr>
+          <a:xfrm>
+            <a:off x="76200" y="0"/>
+            <a:ext cx="9067800" cy="609600"/>
+          </a:xfrm>
+        </p:spPr>
+        <p:txBody>
+          <a:bodyPr/>
+          <a:lstStyle>
+            <a:lvl1pPr algn="l">
+              <a:defRPr sz="4400"/>
+            </a:lvl1pPr>
+          </a:lstStyle>
+          <a:p>
+            <a:r>
+              <a:rPr lang="ja-JP" altLang="en-US" dirty="0" smtClean="0"/>
+              <a:t>メインタイトル</a:t>
+            </a:r>
+            <a:endParaRPr lang="ja-JP" altLang="en-US" dirty="0"/>
+          </a:p>
+        </p:txBody>
+      </p:sp>
+      <p:sp>
+        <p:nvSpPr>
+          <p:cNvPr id="3" name="コンテンツ プレースホルダ 2"/>
+          <p:cNvSpPr>
+            <a:spLocks noGrp="1"/>
+          </p:cNvSpPr>
+          <p:nvPr>
+            <p:ph idx="1"/>
+          </p:nvPr>
+        </p:nvSpPr>
+        <p:spPr/>
+        <p:txBody>
+          <a:bodyPr/>
+          <a:lstStyle>
+            <a:lvl1pPr marL="0" indent="0" algn="just">
+              <a:buNone/>
+              <a:defRPr sz="3200"/>
+            </a:lvl1pPr>
+            <a:lvl2pPr marL="342900" indent="0" algn="just">
+              <a:buNone/>
+              <a:defRPr sz="2400"/>
+            </a:lvl2pPr>
+            <a:lvl3pPr marL="685800" indent="0" algn="just">
+              <a:buNone/>
+              <a:defRPr/>
+            </a:lvl3pPr>
+            <a:lvl4pPr marL="1028700" indent="0" algn="l">
+              <a:buNone/>
+              <a:defRPr/>
+            </a:lvl4pPr>
+            <a:lvl5pPr marL="1371600" indent="0" algn="l">
+              <a:buNone/>
+              <a:defRPr/>
+            </a:lvl5pPr>
+          </a:lstStyle>
+          <a:p>
+            <a:pPr lvl="0"/>
+            <a:r>
+              <a:rPr lang="ja-JP" altLang="en-US" smtClean="0"/>
+              <a:t>マスター テキストの書式設定</a:t>
+            </a:r>
+          </a:p>
+          <a:p>
+            <a:pPr lvl="1"/>
+            <a:r>
+              <a:rPr lang="ja-JP" altLang="en-US" smtClean="0"/>
+              <a:t>第 </a:t>
+            </a:r>
+            <a:r>
+              <a:rPr lang="en-US" altLang="ja-JP" smtClean="0"/>
+              <a:t>2 </a:t>
+            </a:r>
+            <a:r>
+              <a:rPr lang="ja-JP" altLang="en-US" smtClean="0"/>
+              <a:t>レベル</a:t>
+            </a:r>
+          </a:p>
+        </p:txBody>
+      </p:sp>
+      <p:sp>
+        <p:nvSpPr>
+          <p:cNvPr id="4" name="Rectangle 6"/>
+          <p:cNvSpPr>
+            <a:spLocks noGrp="1" noChangeArrowheads="1"/>
+          </p:cNvSpPr>
+          <p:nvPr>
+            <p:ph type="sldNum" sz="quarter" idx="12"/>
+          </p:nvPr>
+        </p:nvSpPr>
+        <p:spPr bwMode="auto">
+          <a:xfrm>
+            <a:off x="6781800" y="333375"/>
+            <a:ext cx="2133600" cy="476250"/>
+          </a:xfrm>
+          <a:prstGeom prst="rect">
+            <a:avLst/>
+          </a:prstGeom>
+          <a:ln>
+            <a:miter lim="800000"/>
+            <a:headEnd/>
+            <a:tailEnd/>
+          </a:ln>
+        </p:spPr>
+        <p:txBody>
+          <a:bodyPr vert="horz" wrap="square" lIns="91440" tIns="45720" rIns="91440" bIns="45720" numCol="1" anchor="t" anchorCtr="0" compatLnSpc="1">
+            <a:prstTxWarp prst="textNoShape">
+              <a:avLst/>
+            </a:prstTxWarp>
+          </a:bodyPr>
+          <a:lstStyle>
+            <a:lvl1pPr algn="r">
+              <a:defRPr kumimoji="0" sz="2800" b="1">
+                <a:solidFill>
+                  <a:srgbClr val="FFFF00"/>
+                </a:solidFill>
+              </a:defRPr>
+            </a:lvl1pPr>
+          </a:lstStyle>
+          <a:p>
+            <a:fld id="{B5C67937-D10B-4F1B-BCB2-26B69D4AE1E2}" type="slidenum">
+              <a:rPr kumimoji="1" lang="ja-JP" altLang="en-US" smtClean="0"/>
+              <a:pPr/>
+              <a:t>‹#›</a:t>
+            </a:fld>
+            <a:endParaRPr kumimoji="1" lang="ja-JP" altLang="en-US" dirty="0"/>
+          </a:p>
+        </p:txBody>
+      </p:sp>
+      <p:sp>
+        <p:nvSpPr>
+          <p:cNvPr id="14" name="テキスト プレースホルダー 13"/>
+          <p:cNvSpPr>
+            <a:spLocks noGrp="1"/>
+          </p:cNvSpPr>
+          <p:nvPr>
+            <p:ph type="body" sz="quarter" idx="13" hasCustomPrompt="1"/>
+          </p:nvPr>
+        </p:nvSpPr>
+        <p:spPr>
+          <a:xfrm>
+            <a:off x="76200" y="543070"/>
+            <a:ext cx="9067800" cy="573087"/>
+          </a:xfrm>
+        </p:spPr>
+        <p:txBody>
+          <a:bodyPr/>
+          <a:lstStyle>
+            <a:lvl1pPr marL="0" indent="0">
+              <a:buNone/>
+              <a:defRPr sz="3600" b="1">
+                <a:solidFill>
+                  <a:schemeClr val="accent4"/>
+                </a:solidFill>
+              </a:defRPr>
+            </a:lvl1pPr>
+          </a:lstStyle>
+          <a:p>
+            <a:pPr lvl="0"/>
+            <a:r>
+              <a:rPr kumimoji="1" lang="ja-JP" altLang="en-US" dirty="0" smtClean="0"/>
+              <a:t>サブタイトル</a:t>
+            </a:r>
+          </a:p>
+        </p:txBody>
+      </p:sp>
+    </p:spTree>
+    <p:extLst>
+      <p:ext uri="{BB962C8B-B14F-4D97-AF65-F5344CB8AC3E}">
+        <p14:creationId xmlns:p14="http://schemas.microsoft.com/office/powerpoint/2010/main" val="2896381907"/>
+      </p:ext>
+    </p:extLst>
+  </p:cSld>
+  <p:clrMapOvr>
+    <a:masterClrMapping/>
+  </p:clrMapOvr>
+  <p:timing>
+    <p:tnLst>
+      <p:par>
+        <p:cTn id="1" dur="indefinite" restart="never" nodeType="tmRoot"/>
+      </p:par>
+    </p:tnLst>
+  </p:timing>
+  <p:hf hdr="0" ftr="0" dt="0"/>
+</p:sldLayout>
+</file>
+
+<file path=ppt/slideLayouts/slideLayout33.xml><?xml version="1.0" encoding="utf-8"?>
+<p:sldLayout xmlns:a="http://schemas.openxmlformats.org/drawingml/2006/main" xmlns:r="http://schemas.openxmlformats.org/officeDocument/2006/relationships" xmlns:p="http://schemas.openxmlformats.org/presentationml/2006/main" preserve="1">
+  <p:cSld name="タイトル+サブタイトルのみ">
+    <p:spTree>
+      <p:nvGrpSpPr>
+        <p:cNvPr id="1" name=""/>
+        <p:cNvGrpSpPr/>
+        <p:nvPr/>
+      </p:nvGrpSpPr>
+      <p:grpSpPr>
+        <a:xfrm>
+          <a:off x="0" y="0"/>
+          <a:ext cx="0" cy="0"/>
+          <a:chOff x="0" y="0"/>
+          <a:chExt cx="0" cy="0"/>
+        </a:xfrm>
+      </p:grpSpPr>
+      <p:sp>
+        <p:nvSpPr>
+          <p:cNvPr id="2" name="タイトル 1"/>
+          <p:cNvSpPr>
+            <a:spLocks noGrp="1"/>
+          </p:cNvSpPr>
+          <p:nvPr>
+            <p:ph type="title" hasCustomPrompt="1"/>
+          </p:nvPr>
+        </p:nvSpPr>
+        <p:spPr>
+          <a:xfrm>
+            <a:off x="76200" y="0"/>
+            <a:ext cx="9067800" cy="609600"/>
+          </a:xfrm>
+        </p:spPr>
+        <p:txBody>
+          <a:bodyPr/>
+          <a:lstStyle>
+            <a:lvl1pPr algn="l">
+              <a:defRPr sz="4400"/>
+            </a:lvl1pPr>
+          </a:lstStyle>
+          <a:p>
+            <a:r>
+              <a:rPr lang="ja-JP" altLang="en-US" dirty="0" smtClean="0"/>
+              <a:t>メインタイトル</a:t>
+            </a:r>
+            <a:endParaRPr lang="ja-JP" altLang="en-US" dirty="0"/>
+          </a:p>
+        </p:txBody>
+      </p:sp>
+      <p:sp>
+        <p:nvSpPr>
+          <p:cNvPr id="4" name="Rectangle 6"/>
+          <p:cNvSpPr>
+            <a:spLocks noGrp="1" noChangeArrowheads="1"/>
+          </p:cNvSpPr>
+          <p:nvPr>
+            <p:ph type="sldNum" sz="quarter" idx="12"/>
+          </p:nvPr>
+        </p:nvSpPr>
+        <p:spPr bwMode="auto">
+          <a:xfrm>
+            <a:off x="6781800" y="333375"/>
+            <a:ext cx="2133600" cy="476250"/>
+          </a:xfrm>
+          <a:prstGeom prst="rect">
+            <a:avLst/>
+          </a:prstGeom>
+          <a:ln>
+            <a:miter lim="800000"/>
+            <a:headEnd/>
+            <a:tailEnd/>
+          </a:ln>
+        </p:spPr>
+        <p:txBody>
+          <a:bodyPr vert="horz" wrap="square" lIns="91440" tIns="45720" rIns="91440" bIns="45720" numCol="1" anchor="t" anchorCtr="0" compatLnSpc="1">
+            <a:prstTxWarp prst="textNoShape">
+              <a:avLst/>
+            </a:prstTxWarp>
+          </a:bodyPr>
+          <a:lstStyle>
+            <a:lvl1pPr algn="r">
+              <a:defRPr kumimoji="0" sz="2800" b="1">
+                <a:solidFill>
+                  <a:srgbClr val="FFFF00"/>
+                </a:solidFill>
+              </a:defRPr>
+            </a:lvl1pPr>
+          </a:lstStyle>
+          <a:p>
+            <a:fld id="{B5C67937-D10B-4F1B-BCB2-26B69D4AE1E2}" type="slidenum">
+              <a:rPr kumimoji="1" lang="ja-JP" altLang="en-US" smtClean="0"/>
+              <a:pPr/>
+              <a:t>‹#›</a:t>
+            </a:fld>
+            <a:endParaRPr kumimoji="1" lang="ja-JP" altLang="en-US" dirty="0"/>
+          </a:p>
+        </p:txBody>
+      </p:sp>
+      <p:sp>
+        <p:nvSpPr>
+          <p:cNvPr id="14" name="テキスト プレースホルダー 13"/>
+          <p:cNvSpPr>
+            <a:spLocks noGrp="1"/>
+          </p:cNvSpPr>
+          <p:nvPr>
+            <p:ph type="body" sz="quarter" idx="13" hasCustomPrompt="1"/>
+          </p:nvPr>
+        </p:nvSpPr>
+        <p:spPr>
+          <a:xfrm>
+            <a:off x="76200" y="543070"/>
+            <a:ext cx="9067800" cy="573087"/>
+          </a:xfrm>
+        </p:spPr>
+        <p:txBody>
+          <a:bodyPr/>
+          <a:lstStyle>
+            <a:lvl1pPr marL="0" indent="0">
+              <a:buNone/>
+              <a:defRPr sz="3600" b="1">
+                <a:solidFill>
+                  <a:schemeClr val="accent4"/>
+                </a:solidFill>
+              </a:defRPr>
+            </a:lvl1pPr>
+          </a:lstStyle>
+          <a:p>
+            <a:pPr lvl="0"/>
+            <a:r>
+              <a:rPr kumimoji="1" lang="ja-JP" altLang="en-US" dirty="0" smtClean="0"/>
+              <a:t>サブタイトル</a:t>
+            </a:r>
+          </a:p>
+        </p:txBody>
+      </p:sp>
+    </p:spTree>
+    <p:extLst>
+      <p:ext uri="{BB962C8B-B14F-4D97-AF65-F5344CB8AC3E}">
+        <p14:creationId xmlns:p14="http://schemas.microsoft.com/office/powerpoint/2010/main" val="3557957833"/>
+      </p:ext>
+    </p:extLst>
+  </p:cSld>
+  <p:clrMapOvr>
+    <a:masterClrMapping/>
+  </p:clrMapOvr>
+  <p:timing>
+    <p:tnLst>
+      <p:par>
+        <p:cTn id="1" dur="indefinite" restart="never" nodeType="tmRoot"/>
+      </p:par>
+    </p:tnLst>
+  </p:timing>
+  <p:hf hdr="0" ftr="0" dt="0"/>
+</p:sldLayout>
+</file>
+
+<file path=ppt/slideLayouts/slideLayout34.xml><?xml version="1.0" encoding="utf-8"?>
+<p:sldLayout xmlns:a="http://schemas.openxmlformats.org/drawingml/2006/main" xmlns:r="http://schemas.openxmlformats.org/officeDocument/2006/relationships" xmlns:p="http://schemas.openxmlformats.org/presentationml/2006/main" preserve="1">
+  <p:cSld name="タイトルのみ">
+    <p:spTree>
+      <p:nvGrpSpPr>
+        <p:cNvPr id="1" name=""/>
+        <p:cNvGrpSpPr/>
+        <p:nvPr/>
+      </p:nvGrpSpPr>
+      <p:grpSpPr>
+        <a:xfrm>
+          <a:off x="0" y="0"/>
+          <a:ext cx="0" cy="0"/>
+          <a:chOff x="0" y="0"/>
+          <a:chExt cx="0" cy="0"/>
+        </a:xfrm>
+      </p:grpSpPr>
+      <p:sp>
+        <p:nvSpPr>
+          <p:cNvPr id="2" name="タイトル 1"/>
+          <p:cNvSpPr>
+            <a:spLocks noGrp="1"/>
+          </p:cNvSpPr>
+          <p:nvPr>
+            <p:ph type="title"/>
+          </p:nvPr>
+        </p:nvSpPr>
+        <p:spPr/>
+        <p:txBody>
+          <a:bodyPr/>
+          <a:lstStyle>
+            <a:lvl1pPr algn="l">
+              <a:defRPr sz="4400"/>
+            </a:lvl1pPr>
+          </a:lstStyle>
+          <a:p>
+            <a:r>
+              <a:rPr lang="ja-JP" altLang="en-US" smtClean="0"/>
+              <a:t>マスター タイトルの書式設定</a:t>
+            </a:r>
+            <a:endParaRPr lang="ja-JP" altLang="en-US" dirty="0"/>
+          </a:p>
+        </p:txBody>
+      </p:sp>
+      <p:sp>
+        <p:nvSpPr>
+          <p:cNvPr id="4" name="Rectangle 6"/>
+          <p:cNvSpPr>
+            <a:spLocks noGrp="1" noChangeArrowheads="1"/>
+          </p:cNvSpPr>
+          <p:nvPr>
+            <p:ph type="sldNum" sz="quarter" idx="12"/>
+          </p:nvPr>
+        </p:nvSpPr>
+        <p:spPr bwMode="auto">
+          <a:xfrm>
+            <a:off x="6781800" y="333375"/>
+            <a:ext cx="2133600" cy="476250"/>
+          </a:xfrm>
+          <a:prstGeom prst="rect">
+            <a:avLst/>
+          </a:prstGeom>
+          <a:ln>
+            <a:miter lim="800000"/>
+            <a:headEnd/>
+            <a:tailEnd/>
+          </a:ln>
+        </p:spPr>
+        <p:txBody>
+          <a:bodyPr vert="horz" wrap="square" lIns="91440" tIns="45720" rIns="91440" bIns="45720" numCol="1" anchor="t" anchorCtr="0" compatLnSpc="1">
+            <a:prstTxWarp prst="textNoShape">
+              <a:avLst/>
+            </a:prstTxWarp>
+          </a:bodyPr>
+          <a:lstStyle>
+            <a:lvl1pPr algn="r">
+              <a:defRPr kumimoji="0" sz="2800" b="1">
+                <a:solidFill>
+                  <a:srgbClr val="FFFF00"/>
+                </a:solidFill>
+              </a:defRPr>
+            </a:lvl1pPr>
+          </a:lstStyle>
+          <a:p>
+            <a:fld id="{B5C67937-D10B-4F1B-BCB2-26B69D4AE1E2}" type="slidenum">
+              <a:rPr kumimoji="1" lang="ja-JP" altLang="en-US" smtClean="0"/>
+              <a:pPr/>
+              <a:t>‹#›</a:t>
+            </a:fld>
+            <a:endParaRPr kumimoji="1" lang="ja-JP" altLang="en-US" dirty="0"/>
+          </a:p>
+        </p:txBody>
+      </p:sp>
+    </p:spTree>
+    <p:extLst>
+      <p:ext uri="{BB962C8B-B14F-4D97-AF65-F5344CB8AC3E}">
+        <p14:creationId xmlns:p14="http://schemas.microsoft.com/office/powerpoint/2010/main" val="2728985078"/>
+      </p:ext>
+    </p:extLst>
+  </p:cSld>
+  <p:clrMapOvr>
+    <a:masterClrMapping/>
+  </p:clrMapOvr>
+  <p:timing>
+    <p:tnLst>
+      <p:par>
+        <p:cTn id="1" dur="indefinite" restart="never" nodeType="tmRoot"/>
+      </p:par>
+    </p:tnLst>
+  </p:timing>
+  <p:hf hdr="0" ftr="0" dt="0"/>
+</p:sldLayout>
+</file>
+
+<file path=ppt/slideLayouts/slideLayout35.xml><?xml version="1.0" encoding="utf-8"?>
+<p:sldLayout xmlns:a="http://schemas.openxmlformats.org/drawingml/2006/main" xmlns:r="http://schemas.openxmlformats.org/officeDocument/2006/relationships" xmlns:p="http://schemas.openxmlformats.org/presentationml/2006/main" preserve="1">
+  <p:cSld name="作図用">
+    <p:spTree>
+      <p:nvGrpSpPr>
+        <p:cNvPr id="1" name=""/>
+        <p:cNvGrpSpPr/>
+        <p:nvPr/>
+      </p:nvGrpSpPr>
+      <p:grpSpPr>
+        <a:xfrm>
+          <a:off x="0" y="0"/>
+          <a:ext cx="0" cy="0"/>
+          <a:chOff x="0" y="0"/>
+          <a:chExt cx="0" cy="0"/>
+        </a:xfrm>
+      </p:grpSpPr>
+    </p:spTree>
+    <p:extLst>
+      <p:ext uri="{BB962C8B-B14F-4D97-AF65-F5344CB8AC3E}">
+        <p14:creationId xmlns:p14="http://schemas.microsoft.com/office/powerpoint/2010/main" val="2730273955"/>
+      </p:ext>
+    </p:extLst>
+  </p:cSld>
+  <p:clrMapOvr>
+    <a:masterClrMapping/>
+  </p:clrMapOvr>
+  <p:timing>
+    <p:tnLst>
+      <p:par>
+        <p:cTn id="1" dur="indefinite" restart="never" nodeType="tmRoot"/>
+      </p:par>
+    </p:tnLst>
+  </p:timing>
+</p:sldLayout>
+</file>
+
+<file path=ppt/slideLayouts/slideLayout36.xml><?xml version="1.0" encoding="utf-8"?>
+<p:sldLayout xmlns:a="http://schemas.openxmlformats.org/drawingml/2006/main" xmlns:r="http://schemas.openxmlformats.org/officeDocument/2006/relationships" xmlns:p="http://schemas.openxmlformats.org/presentationml/2006/main" showMasterSp="0" preserve="1">
+  <p:cSld name="終了">
+    <p:spTree>
+      <p:nvGrpSpPr>
+        <p:cNvPr id="1" name=""/>
+        <p:cNvGrpSpPr/>
+        <p:nvPr/>
+      </p:nvGrpSpPr>
+      <p:grpSpPr>
+        <a:xfrm>
+          <a:off x="0" y="0"/>
+          <a:ext cx="0" cy="0"/>
+          <a:chOff x="0" y="0"/>
+          <a:chExt cx="0" cy="0"/>
+        </a:xfrm>
+      </p:grpSpPr>
+      <p:sp>
+        <p:nvSpPr>
+          <p:cNvPr id="4" name="Rectangle 7"/>
+          <p:cNvSpPr>
+            <a:spLocks noChangeAspect="1" noChangeArrowheads="1"/>
+          </p:cNvSpPr>
+          <p:nvPr/>
+        </p:nvSpPr>
+        <p:spPr bwMode="auto">
+          <a:xfrm>
+            <a:off x="-19431" y="-102870"/>
+            <a:ext cx="9182862" cy="7063740"/>
+          </a:xfrm>
+          <a:prstGeom prst="rect">
+            <a:avLst/>
+          </a:prstGeom>
+          <a:solidFill>
+            <a:schemeClr val="tx1"/>
+          </a:solidFill>
+          <a:ln w="9525">
+            <a:solidFill>
+              <a:schemeClr val="accent2"/>
+            </a:solidFill>
+            <a:miter lim="800000"/>
+            <a:headEnd/>
+            <a:tailEnd/>
+          </a:ln>
+        </p:spPr>
+        <p:txBody>
+          <a:bodyPr wrap="none" anchor="ctr"/>
+          <a:lstStyle>
+            <a:lvl1pPr eaLnBrk="0" hangingPunct="0">
+              <a:defRPr kumimoji="1">
+                <a:solidFill>
+                  <a:schemeClr val="tx1"/>
+                </a:solidFill>
+                <a:latin typeface="Arial" pitchFamily="34" charset="0"/>
+                <a:ea typeface="ＭＳ Ｐゴシック" pitchFamily="50" charset="-128"/>
+              </a:defRPr>
+            </a:lvl1pPr>
+            <a:lvl2pPr marL="742950" indent="-285750" eaLnBrk="0" hangingPunct="0">
+              <a:defRPr kumimoji="1">
+                <a:solidFill>
+                  <a:schemeClr val="tx1"/>
+                </a:solidFill>
+                <a:latin typeface="Arial" pitchFamily="34" charset="0"/>
+                <a:ea typeface="ＭＳ Ｐゴシック" pitchFamily="50" charset="-128"/>
+              </a:defRPr>
+            </a:lvl2pPr>
+            <a:lvl3pPr marL="1143000" indent="-228600" eaLnBrk="0" hangingPunct="0">
+              <a:defRPr kumimoji="1">
+                <a:solidFill>
+                  <a:schemeClr val="tx1"/>
+                </a:solidFill>
+                <a:latin typeface="Arial" pitchFamily="34" charset="0"/>
+                <a:ea typeface="ＭＳ Ｐゴシック" pitchFamily="50" charset="-128"/>
+              </a:defRPr>
+            </a:lvl3pPr>
+            <a:lvl4pPr marL="1600200" indent="-228600" eaLnBrk="0" hangingPunct="0">
+              <a:defRPr kumimoji="1">
+                <a:solidFill>
+                  <a:schemeClr val="tx1"/>
+                </a:solidFill>
+                <a:latin typeface="Arial" pitchFamily="34" charset="0"/>
+                <a:ea typeface="ＭＳ Ｐゴシック" pitchFamily="50" charset="-128"/>
+              </a:defRPr>
+            </a:lvl4pPr>
+            <a:lvl5pPr marL="2057400" indent="-228600" eaLnBrk="0" hangingPunct="0">
+              <a:defRPr kumimoji="1">
+                <a:solidFill>
+                  <a:schemeClr val="tx1"/>
+                </a:solidFill>
+                <a:latin typeface="Arial" pitchFamily="34" charset="0"/>
+                <a:ea typeface="ＭＳ Ｐゴシック" pitchFamily="50" charset="-128"/>
+              </a:defRPr>
+            </a:lvl5pPr>
+            <a:lvl6pPr marL="2514600" indent="-228600" eaLnBrk="0" fontAlgn="base" hangingPunct="0">
+              <a:spcBef>
+                <a:spcPct val="0"/>
+              </a:spcBef>
+              <a:spcAft>
+                <a:spcPct val="0"/>
+              </a:spcAft>
+              <a:defRPr kumimoji="1">
+                <a:solidFill>
+                  <a:schemeClr val="tx1"/>
+                </a:solidFill>
+                <a:latin typeface="Arial" pitchFamily="34" charset="0"/>
+                <a:ea typeface="ＭＳ Ｐゴシック" pitchFamily="50" charset="-128"/>
+              </a:defRPr>
+            </a:lvl6pPr>
+            <a:lvl7pPr marL="2971800" indent="-228600" eaLnBrk="0" fontAlgn="base" hangingPunct="0">
+              <a:spcBef>
+                <a:spcPct val="0"/>
+              </a:spcBef>
+              <a:spcAft>
+                <a:spcPct val="0"/>
+              </a:spcAft>
+              <a:defRPr kumimoji="1">
+                <a:solidFill>
+                  <a:schemeClr val="tx1"/>
+                </a:solidFill>
+                <a:latin typeface="Arial" pitchFamily="34" charset="0"/>
+                <a:ea typeface="ＭＳ Ｐゴシック" pitchFamily="50" charset="-128"/>
+              </a:defRPr>
+            </a:lvl7pPr>
+            <a:lvl8pPr marL="3429000" indent="-228600" eaLnBrk="0" fontAlgn="base" hangingPunct="0">
+              <a:spcBef>
+                <a:spcPct val="0"/>
+              </a:spcBef>
+              <a:spcAft>
+                <a:spcPct val="0"/>
+              </a:spcAft>
+              <a:defRPr kumimoji="1">
+                <a:solidFill>
+                  <a:schemeClr val="tx1"/>
+                </a:solidFill>
+                <a:latin typeface="Arial" pitchFamily="34" charset="0"/>
+                <a:ea typeface="ＭＳ Ｐゴシック" pitchFamily="50" charset="-128"/>
+              </a:defRPr>
+            </a:lvl8pPr>
+            <a:lvl9pPr marL="3886200" indent="-228600" eaLnBrk="0" fontAlgn="base" hangingPunct="0">
+              <a:spcBef>
+                <a:spcPct val="0"/>
+              </a:spcBef>
+              <a:spcAft>
+                <a:spcPct val="0"/>
+              </a:spcAft>
+              <a:defRPr kumimoji="1">
+                <a:solidFill>
+                  <a:schemeClr val="tx1"/>
+                </a:solidFill>
+                <a:latin typeface="Arial" pitchFamily="34" charset="0"/>
+                <a:ea typeface="ＭＳ Ｐゴシック" pitchFamily="50" charset="-128"/>
+              </a:defRPr>
+            </a:lvl9pPr>
+          </a:lstStyle>
+          <a:p>
+            <a:pPr eaLnBrk="1" hangingPunct="1">
+              <a:defRPr/>
+            </a:pPr>
+            <a:endParaRPr lang="ja-JP" altLang="en-US" sz="1350"/>
+          </a:p>
+        </p:txBody>
+      </p:sp>
+    </p:spTree>
+    <p:extLst>
+      <p:ext uri="{BB962C8B-B14F-4D97-AF65-F5344CB8AC3E}">
+        <p14:creationId xmlns:p14="http://schemas.microsoft.com/office/powerpoint/2010/main" val="1044481059"/>
+      </p:ext>
+    </p:extLst>
+  </p:cSld>
+  <p:clrMapOvr>
+    <a:masterClrMapping/>
+  </p:clrMapOvr>
+  <p:timing>
+    <p:tnLst>
+      <p:par>
+        <p:cTn id="1" dur="indefinite" restart="never" nodeType="tmRoot"/>
+      </p:par>
+    </p:tnLst>
+  </p:timing>
+</p:sldLayout>
+</file>
+
+<file path=ppt/slideLayouts/slideLayout37.xml><?xml version="1.0" encoding="utf-8"?>
+<p:sldLayout xmlns:a="http://schemas.openxmlformats.org/drawingml/2006/main" xmlns:r="http://schemas.openxmlformats.org/officeDocument/2006/relationships" xmlns:p="http://schemas.openxmlformats.org/presentationml/2006/main" userDrawn="1">
+  <p:cSld name="1_タイトルとコンテンツ">
+    <p:spTree>
+      <p:nvGrpSpPr>
+        <p:cNvPr id="1" name=""/>
+        <p:cNvGrpSpPr/>
+        <p:nvPr/>
+      </p:nvGrpSpPr>
+      <p:grpSpPr>
+        <a:xfrm>
+          <a:off x="0" y="0"/>
+          <a:ext cx="0" cy="0"/>
+          <a:chOff x="0" y="0"/>
+          <a:chExt cx="0" cy="0"/>
+        </a:xfrm>
+      </p:grpSpPr>
+      <p:sp>
+        <p:nvSpPr>
+          <p:cNvPr id="2" name="タイトル 1"/>
+          <p:cNvSpPr>
+            <a:spLocks noGrp="1"/>
+          </p:cNvSpPr>
+          <p:nvPr>
+            <p:ph type="title" hasCustomPrompt="1"/>
+          </p:nvPr>
+        </p:nvSpPr>
+        <p:spPr>
+          <a:xfrm>
+            <a:off x="76200" y="0"/>
+            <a:ext cx="9067800" cy="609600"/>
+          </a:xfrm>
+        </p:spPr>
+        <p:txBody>
+          <a:bodyPr/>
+          <a:lstStyle>
+            <a:lvl1pPr algn="l">
+              <a:defRPr sz="4400"/>
+            </a:lvl1pPr>
+          </a:lstStyle>
+          <a:p>
+            <a:r>
+              <a:rPr lang="ja-JP" altLang="en-US" dirty="0" smtClean="0"/>
+              <a:t>メインタイトル</a:t>
+            </a:r>
+            <a:endParaRPr lang="ja-JP" altLang="en-US" dirty="0"/>
+          </a:p>
+        </p:txBody>
+      </p:sp>
+      <p:sp>
+        <p:nvSpPr>
+          <p:cNvPr id="3" name="コンテンツ プレースホルダ 2"/>
+          <p:cNvSpPr>
+            <a:spLocks noGrp="1"/>
+          </p:cNvSpPr>
+          <p:nvPr>
+            <p:ph idx="1"/>
+          </p:nvPr>
+        </p:nvSpPr>
+        <p:spPr/>
+        <p:txBody>
+          <a:bodyPr/>
+          <a:lstStyle>
+            <a:lvl1pPr marL="0" indent="0" algn="just">
+              <a:buNone/>
+              <a:defRPr sz="3200"/>
+            </a:lvl1pPr>
+            <a:lvl2pPr marL="342900" indent="0" algn="just">
+              <a:buNone/>
+              <a:defRPr sz="2400"/>
+            </a:lvl2pPr>
+            <a:lvl3pPr marL="685800" indent="0" algn="just">
+              <a:buNone/>
+              <a:defRPr/>
+            </a:lvl3pPr>
+            <a:lvl4pPr marL="1028700" indent="0" algn="l">
+              <a:buNone/>
+              <a:defRPr/>
+            </a:lvl4pPr>
+            <a:lvl5pPr marL="1371600" indent="0" algn="l">
+              <a:buNone/>
+              <a:defRPr/>
+            </a:lvl5pPr>
+          </a:lstStyle>
+          <a:p>
+            <a:pPr lvl="0"/>
+            <a:r>
+              <a:rPr lang="ja-JP" altLang="en-US" dirty="0" smtClean="0"/>
+              <a:t>マスター テキストの書式設定</a:t>
+            </a:r>
+          </a:p>
+          <a:p>
+            <a:pPr lvl="1"/>
+            <a:r>
+              <a:rPr lang="ja-JP" altLang="en-US" dirty="0" smtClean="0"/>
+              <a:t>第 </a:t>
+            </a:r>
+            <a:r>
+              <a:rPr lang="en-US" altLang="ja-JP" dirty="0" smtClean="0"/>
+              <a:t>2 </a:t>
+            </a:r>
+            <a:r>
+              <a:rPr lang="ja-JP" altLang="en-US" dirty="0" smtClean="0"/>
+              <a:t>レベル</a:t>
+            </a:r>
+          </a:p>
+        </p:txBody>
+      </p:sp>
+      <p:sp>
+        <p:nvSpPr>
+          <p:cNvPr id="4" name="Rectangle 6"/>
+          <p:cNvSpPr>
+            <a:spLocks noGrp="1" noChangeArrowheads="1"/>
+          </p:cNvSpPr>
+          <p:nvPr>
+            <p:ph type="sldNum" sz="quarter" idx="12"/>
+          </p:nvPr>
+        </p:nvSpPr>
+        <p:spPr bwMode="auto">
+          <a:xfrm>
+            <a:off x="6781800" y="333375"/>
+            <a:ext cx="2133600" cy="476250"/>
+          </a:xfrm>
+          <a:prstGeom prst="rect">
+            <a:avLst/>
+          </a:prstGeom>
+          <a:ln>
+            <a:miter lim="800000"/>
+            <a:headEnd/>
+            <a:tailEnd/>
+          </a:ln>
+        </p:spPr>
+        <p:txBody>
+          <a:bodyPr vert="horz" wrap="square" lIns="91440" tIns="45720" rIns="91440" bIns="45720" numCol="1" anchor="t" anchorCtr="0" compatLnSpc="1">
+            <a:prstTxWarp prst="textNoShape">
+              <a:avLst/>
+            </a:prstTxWarp>
+          </a:bodyPr>
+          <a:lstStyle>
+            <a:lvl1pPr algn="r">
+              <a:defRPr kumimoji="0" sz="2800" b="1">
+                <a:solidFill>
+                  <a:srgbClr val="FFFF00"/>
+                </a:solidFill>
+              </a:defRPr>
+            </a:lvl1pPr>
+          </a:lstStyle>
+          <a:p>
+            <a:fld id="{B5C67937-D10B-4F1B-BCB2-26B69D4AE1E2}" type="slidenum">
+              <a:rPr kumimoji="1" lang="ja-JP" altLang="en-US" smtClean="0"/>
+              <a:pPr/>
+              <a:t>‹#›</a:t>
+            </a:fld>
+            <a:endParaRPr kumimoji="1" lang="ja-JP" altLang="en-US" dirty="0"/>
+          </a:p>
+        </p:txBody>
+      </p:sp>
+      <p:sp>
+        <p:nvSpPr>
+          <p:cNvPr id="14" name="テキスト プレースホルダー 13"/>
+          <p:cNvSpPr>
+            <a:spLocks noGrp="1"/>
+          </p:cNvSpPr>
+          <p:nvPr>
+            <p:ph type="body" sz="quarter" idx="13" hasCustomPrompt="1"/>
+          </p:nvPr>
+        </p:nvSpPr>
+        <p:spPr>
+          <a:xfrm>
+            <a:off x="76200" y="543068"/>
+            <a:ext cx="9067800" cy="573087"/>
+          </a:xfrm>
+        </p:spPr>
+        <p:txBody>
+          <a:bodyPr/>
+          <a:lstStyle>
+            <a:lvl1pPr marL="0" indent="0">
+              <a:buNone/>
+              <a:defRPr sz="3600" b="1">
+                <a:solidFill>
+                  <a:schemeClr val="accent4"/>
+                </a:solidFill>
+              </a:defRPr>
+            </a:lvl1pPr>
+          </a:lstStyle>
+          <a:p>
+            <a:pPr lvl="0"/>
+            <a:r>
+              <a:rPr kumimoji="1" lang="ja-JP" altLang="en-US" dirty="0" smtClean="0"/>
+              <a:t>サブタイトル</a:t>
+            </a:r>
+          </a:p>
+        </p:txBody>
+      </p:sp>
+    </p:spTree>
+    <p:extLst>
+      <p:ext uri="{BB962C8B-B14F-4D97-AF65-F5344CB8AC3E}">
+        <p14:creationId xmlns:p14="http://schemas.microsoft.com/office/powerpoint/2010/main" val="4186320915"/>
+      </p:ext>
+    </p:extLst>
+  </p:cSld>
+  <p:clrMapOvr>
+    <a:masterClrMapping/>
+  </p:clrMapOvr>
+  <p:timing>
+    <p:tnLst>
+      <p:par>
+        <p:cTn id="1" dur="indefinite" restart="never" nodeType="tmRoot"/>
+      </p:par>
+    </p:tnLst>
+  </p:timing>
+  <p:hf hdr="0" ftr="0" dt="0"/>
 </p:sldLayout>
 </file>
 
@@ -12463,6 +13976,763 @@
 </p:sldMaster>
 </file>
 
+<file path=ppt/slideMasters/slideMaster6.xml><?xml version="1.0" encoding="utf-8"?>
+<p:sldMaster xmlns:a="http://schemas.openxmlformats.org/drawingml/2006/main" xmlns:r="http://schemas.openxmlformats.org/officeDocument/2006/relationships" xmlns:p="http://schemas.openxmlformats.org/presentationml/2006/main" preserve="1">
+  <p:cSld>
+    <p:bg>
+      <p:bgPr>
+        <a:solidFill>
+          <a:schemeClr val="bg1"/>
+        </a:solidFill>
+        <a:effectLst/>
+      </p:bgPr>
+    </p:bg>
+    <p:spTree>
+      <p:nvGrpSpPr>
+        <p:cNvPr id="1" name=""/>
+        <p:cNvGrpSpPr/>
+        <p:nvPr/>
+      </p:nvGrpSpPr>
+      <p:grpSpPr>
+        <a:xfrm>
+          <a:off x="0" y="0"/>
+          <a:ext cx="0" cy="0"/>
+          <a:chOff x="0" y="0"/>
+          <a:chExt cx="0" cy="0"/>
+        </a:xfrm>
+      </p:grpSpPr>
+      <p:sp>
+        <p:nvSpPr>
+          <p:cNvPr id="1026" name="Rectangle 7"/>
+          <p:cNvSpPr>
+            <a:spLocks noChangeArrowheads="1"/>
+          </p:cNvSpPr>
+          <p:nvPr/>
+        </p:nvSpPr>
+        <p:spPr bwMode="auto">
+          <a:xfrm>
+            <a:off x="0" y="0"/>
+            <a:ext cx="9144000" cy="1143000"/>
+          </a:xfrm>
+          <a:prstGeom prst="rect">
+            <a:avLst/>
+          </a:prstGeom>
+          <a:solidFill>
+            <a:schemeClr val="accent2"/>
+          </a:solidFill>
+          <a:ln w="9525">
+            <a:solidFill>
+              <a:schemeClr val="accent2"/>
+            </a:solidFill>
+            <a:miter lim="800000"/>
+            <a:headEnd/>
+            <a:tailEnd/>
+          </a:ln>
+        </p:spPr>
+        <p:txBody>
+          <a:bodyPr wrap="none" anchor="ctr"/>
+          <a:lstStyle>
+            <a:lvl1pPr eaLnBrk="0" hangingPunct="0">
+              <a:defRPr kumimoji="1">
+                <a:solidFill>
+                  <a:schemeClr val="tx1"/>
+                </a:solidFill>
+                <a:latin typeface="Arial" pitchFamily="34" charset="0"/>
+                <a:ea typeface="ＭＳ Ｐゴシック" pitchFamily="50" charset="-128"/>
+              </a:defRPr>
+            </a:lvl1pPr>
+            <a:lvl2pPr marL="742950" indent="-285750" eaLnBrk="0" hangingPunct="0">
+              <a:defRPr kumimoji="1">
+                <a:solidFill>
+                  <a:schemeClr val="tx1"/>
+                </a:solidFill>
+                <a:latin typeface="Arial" pitchFamily="34" charset="0"/>
+                <a:ea typeface="ＭＳ Ｐゴシック" pitchFamily="50" charset="-128"/>
+              </a:defRPr>
+            </a:lvl2pPr>
+            <a:lvl3pPr marL="1143000" indent="-228600" eaLnBrk="0" hangingPunct="0">
+              <a:defRPr kumimoji="1">
+                <a:solidFill>
+                  <a:schemeClr val="tx1"/>
+                </a:solidFill>
+                <a:latin typeface="Arial" pitchFamily="34" charset="0"/>
+                <a:ea typeface="ＭＳ Ｐゴシック" pitchFamily="50" charset="-128"/>
+              </a:defRPr>
+            </a:lvl3pPr>
+            <a:lvl4pPr marL="1600200" indent="-228600" eaLnBrk="0" hangingPunct="0">
+              <a:defRPr kumimoji="1">
+                <a:solidFill>
+                  <a:schemeClr val="tx1"/>
+                </a:solidFill>
+                <a:latin typeface="Arial" pitchFamily="34" charset="0"/>
+                <a:ea typeface="ＭＳ Ｐゴシック" pitchFamily="50" charset="-128"/>
+              </a:defRPr>
+            </a:lvl4pPr>
+            <a:lvl5pPr marL="2057400" indent="-228600" eaLnBrk="0" hangingPunct="0">
+              <a:defRPr kumimoji="1">
+                <a:solidFill>
+                  <a:schemeClr val="tx1"/>
+                </a:solidFill>
+                <a:latin typeface="Arial" pitchFamily="34" charset="0"/>
+                <a:ea typeface="ＭＳ Ｐゴシック" pitchFamily="50" charset="-128"/>
+              </a:defRPr>
+            </a:lvl5pPr>
+            <a:lvl6pPr marL="2514600" indent="-228600" eaLnBrk="0" fontAlgn="base" hangingPunct="0">
+              <a:spcBef>
+                <a:spcPct val="0"/>
+              </a:spcBef>
+              <a:spcAft>
+                <a:spcPct val="0"/>
+              </a:spcAft>
+              <a:defRPr kumimoji="1">
+                <a:solidFill>
+                  <a:schemeClr val="tx1"/>
+                </a:solidFill>
+                <a:latin typeface="Arial" pitchFamily="34" charset="0"/>
+                <a:ea typeface="ＭＳ Ｐゴシック" pitchFamily="50" charset="-128"/>
+              </a:defRPr>
+            </a:lvl6pPr>
+            <a:lvl7pPr marL="2971800" indent="-228600" eaLnBrk="0" fontAlgn="base" hangingPunct="0">
+              <a:spcBef>
+                <a:spcPct val="0"/>
+              </a:spcBef>
+              <a:spcAft>
+                <a:spcPct val="0"/>
+              </a:spcAft>
+              <a:defRPr kumimoji="1">
+                <a:solidFill>
+                  <a:schemeClr val="tx1"/>
+                </a:solidFill>
+                <a:latin typeface="Arial" pitchFamily="34" charset="0"/>
+                <a:ea typeface="ＭＳ Ｐゴシック" pitchFamily="50" charset="-128"/>
+              </a:defRPr>
+            </a:lvl7pPr>
+            <a:lvl8pPr marL="3429000" indent="-228600" eaLnBrk="0" fontAlgn="base" hangingPunct="0">
+              <a:spcBef>
+                <a:spcPct val="0"/>
+              </a:spcBef>
+              <a:spcAft>
+                <a:spcPct val="0"/>
+              </a:spcAft>
+              <a:defRPr kumimoji="1">
+                <a:solidFill>
+                  <a:schemeClr val="tx1"/>
+                </a:solidFill>
+                <a:latin typeface="Arial" pitchFamily="34" charset="0"/>
+                <a:ea typeface="ＭＳ Ｐゴシック" pitchFamily="50" charset="-128"/>
+              </a:defRPr>
+            </a:lvl8pPr>
+            <a:lvl9pPr marL="3886200" indent="-228600" eaLnBrk="0" fontAlgn="base" hangingPunct="0">
+              <a:spcBef>
+                <a:spcPct val="0"/>
+              </a:spcBef>
+              <a:spcAft>
+                <a:spcPct val="0"/>
+              </a:spcAft>
+              <a:defRPr kumimoji="1">
+                <a:solidFill>
+                  <a:schemeClr val="tx1"/>
+                </a:solidFill>
+                <a:latin typeface="Arial" pitchFamily="34" charset="0"/>
+                <a:ea typeface="ＭＳ Ｐゴシック" pitchFamily="50" charset="-128"/>
+              </a:defRPr>
+            </a:lvl9pPr>
+          </a:lstStyle>
+          <a:p>
+            <a:pPr eaLnBrk="1" hangingPunct="1">
+              <a:defRPr/>
+            </a:pPr>
+            <a:endParaRPr lang="ja-JP" altLang="en-US" sz="1350"/>
+          </a:p>
+        </p:txBody>
+      </p:sp>
+      <p:sp>
+        <p:nvSpPr>
+          <p:cNvPr id="1027" name="Rectangle 2"/>
+          <p:cNvSpPr>
+            <a:spLocks noGrp="1" noChangeArrowheads="1"/>
+          </p:cNvSpPr>
+          <p:nvPr>
+            <p:ph type="title"/>
+          </p:nvPr>
+        </p:nvSpPr>
+        <p:spPr bwMode="auto">
+          <a:xfrm>
+            <a:off x="76200" y="0"/>
+            <a:ext cx="9067800" cy="1143000"/>
+          </a:xfrm>
+          <a:prstGeom prst="rect">
+            <a:avLst/>
+          </a:prstGeom>
+          <a:noFill/>
+          <a:ln>
+            <a:noFill/>
+          </a:ln>
+          <a:extLst>
+            <a:ext uri="{909E8E84-426E-40DD-AFC4-6F175D3DCCD1}">
+              <a14:hiddenFill xmlns:a14="http://schemas.microsoft.com/office/drawing/2010/main">
+                <a:solidFill>
+                  <a:srgbClr val="FFFFFF"/>
+                </a:solidFill>
+              </a14:hiddenFill>
+            </a:ext>
+            <a:ext uri="{91240B29-F687-4F45-9708-019B960494DF}">
+              <a14:hiddenLine xmlns:a14="http://schemas.microsoft.com/office/drawing/2010/main" w="9525">
+                <a:solidFill>
+                  <a:srgbClr val="000000"/>
+                </a:solidFill>
+                <a:miter lim="800000"/>
+                <a:headEnd/>
+                <a:tailEnd/>
+              </a14:hiddenLine>
+            </a:ext>
+          </a:extLst>
+        </p:spPr>
+        <p:txBody>
+          <a:bodyPr vert="horz" wrap="square" lIns="91440" tIns="45720" rIns="91440" bIns="45720" numCol="1" anchor="ctr" anchorCtr="0" compatLnSpc="1">
+            <a:prstTxWarp prst="textNoShape">
+              <a:avLst/>
+            </a:prstTxWarp>
+          </a:bodyPr>
+          <a:lstStyle/>
+          <a:p>
+            <a:pPr lvl="0"/>
+            <a:r>
+              <a:rPr lang="ja-JP" altLang="en-US" dirty="0"/>
+              <a:t>マスタ タイトルの書式設定</a:t>
+            </a:r>
+          </a:p>
+        </p:txBody>
+      </p:sp>
+      <p:sp>
+        <p:nvSpPr>
+          <p:cNvPr id="1028" name="Rectangle 3"/>
+          <p:cNvSpPr>
+            <a:spLocks noGrp="1" noChangeArrowheads="1"/>
+          </p:cNvSpPr>
+          <p:nvPr>
+            <p:ph type="body" idx="1"/>
+          </p:nvPr>
+        </p:nvSpPr>
+        <p:spPr bwMode="auto">
+          <a:xfrm>
+            <a:off x="228600" y="1371600"/>
+            <a:ext cx="8686800" cy="5181600"/>
+          </a:xfrm>
+          <a:prstGeom prst="rect">
+            <a:avLst/>
+          </a:prstGeom>
+          <a:noFill/>
+          <a:ln>
+            <a:noFill/>
+          </a:ln>
+          <a:extLst>
+            <a:ext uri="{909E8E84-426E-40DD-AFC4-6F175D3DCCD1}">
+              <a14:hiddenFill xmlns:a14="http://schemas.microsoft.com/office/drawing/2010/main">
+                <a:solidFill>
+                  <a:srgbClr val="FFFFFF"/>
+                </a:solidFill>
+              </a14:hiddenFill>
+            </a:ext>
+            <a:ext uri="{91240B29-F687-4F45-9708-019B960494DF}">
+              <a14:hiddenLine xmlns:a14="http://schemas.microsoft.com/office/drawing/2010/main" w="9525">
+                <a:solidFill>
+                  <a:srgbClr val="000000"/>
+                </a:solidFill>
+                <a:miter lim="800000"/>
+                <a:headEnd/>
+                <a:tailEnd/>
+              </a14:hiddenLine>
+            </a:ext>
+          </a:extLst>
+        </p:spPr>
+        <p:txBody>
+          <a:bodyPr vert="horz" wrap="square" lIns="91440" tIns="45720" rIns="91440" bIns="45720" numCol="1" anchor="t" anchorCtr="0" compatLnSpc="1">
+            <a:prstTxWarp prst="textNoShape">
+              <a:avLst/>
+            </a:prstTxWarp>
+          </a:bodyPr>
+          <a:lstStyle/>
+          <a:p>
+            <a:pPr lvl="0"/>
+            <a:r>
+              <a:rPr lang="ja-JP" altLang="en-US" dirty="0"/>
+              <a:t>マスタ テキストの書式設定</a:t>
+            </a:r>
+          </a:p>
+          <a:p>
+            <a:pPr lvl="1"/>
+            <a:r>
+              <a:rPr lang="ja-JP" altLang="en-US" dirty="0"/>
+              <a:t>第 </a:t>
+            </a:r>
+            <a:r>
+              <a:rPr lang="en-US" altLang="ja-JP" dirty="0"/>
+              <a:t>2 </a:t>
+            </a:r>
+            <a:r>
+              <a:rPr lang="ja-JP" altLang="en-US" dirty="0"/>
+              <a:t>レベル</a:t>
+            </a:r>
+          </a:p>
+          <a:p>
+            <a:pPr lvl="2"/>
+            <a:r>
+              <a:rPr lang="ja-JP" altLang="en-US" dirty="0"/>
+              <a:t>第 </a:t>
+            </a:r>
+            <a:r>
+              <a:rPr lang="en-US" altLang="ja-JP" dirty="0"/>
+              <a:t>3 </a:t>
+            </a:r>
+            <a:r>
+              <a:rPr lang="ja-JP" altLang="en-US" dirty="0"/>
+              <a:t>レベル</a:t>
+            </a:r>
+          </a:p>
+          <a:p>
+            <a:pPr lvl="3"/>
+            <a:r>
+              <a:rPr lang="ja-JP" altLang="en-US" dirty="0"/>
+              <a:t>第 </a:t>
+            </a:r>
+            <a:r>
+              <a:rPr lang="en-US" altLang="ja-JP" dirty="0"/>
+              <a:t>4 </a:t>
+            </a:r>
+            <a:r>
+              <a:rPr lang="ja-JP" altLang="en-US" dirty="0"/>
+              <a:t>レベル</a:t>
+            </a:r>
+          </a:p>
+          <a:p>
+            <a:pPr lvl="4"/>
+            <a:r>
+              <a:rPr lang="ja-JP" altLang="en-US" dirty="0"/>
+              <a:t>第 </a:t>
+            </a:r>
+            <a:r>
+              <a:rPr lang="en-US" altLang="ja-JP" dirty="0"/>
+              <a:t>5 </a:t>
+            </a:r>
+            <a:r>
+              <a:rPr lang="ja-JP" altLang="en-US" dirty="0"/>
+              <a:t>レベル</a:t>
+            </a:r>
+          </a:p>
+        </p:txBody>
+      </p:sp>
+    </p:spTree>
+    <p:extLst>
+      <p:ext uri="{BB962C8B-B14F-4D97-AF65-F5344CB8AC3E}">
+        <p14:creationId xmlns:p14="http://schemas.microsoft.com/office/powerpoint/2010/main" val="2700483165"/>
+      </p:ext>
+    </p:extLst>
+  </p:cSld>
+  <p:clrMap bg1="lt1" tx1="dk1" bg2="lt2" tx2="dk2" accent1="accent1" accent2="accent2" accent3="accent3" accent4="accent4" accent5="accent5" accent6="accent6" hlink="hlink" folHlink="folHlink"/>
+  <p:sldLayoutIdLst>
+    <p:sldLayoutId id="2147483711" r:id="rId1"/>
+    <p:sldLayoutId id="2147483712" r:id="rId2"/>
+    <p:sldLayoutId id="2147483713" r:id="rId3"/>
+    <p:sldLayoutId id="2147483714" r:id="rId4"/>
+    <p:sldLayoutId id="2147483715" r:id="rId5"/>
+    <p:sldLayoutId id="2147483716" r:id="rId6"/>
+    <p:sldLayoutId id="2147483717" r:id="rId7"/>
+    <p:sldLayoutId id="2147483718" r:id="rId8"/>
+  </p:sldLayoutIdLst>
+  <p:timing>
+    <p:tnLst>
+      <p:par>
+        <p:cTn id="1" dur="indefinite" restart="never" nodeType="tmRoot"/>
+      </p:par>
+    </p:tnLst>
+  </p:timing>
+  <p:hf hdr="0" ftr="0" dt="0"/>
+  <p:txStyles>
+    <p:titleStyle>
+      <a:lvl1pPr algn="just" rtl="0" eaLnBrk="1" fontAlgn="base" hangingPunct="1">
+        <a:spcBef>
+          <a:spcPct val="0"/>
+        </a:spcBef>
+        <a:spcAft>
+          <a:spcPct val="0"/>
+        </a:spcAft>
+        <a:defRPr kumimoji="1" sz="3300" b="1">
+          <a:solidFill>
+            <a:schemeClr val="bg1"/>
+          </a:solidFill>
+          <a:latin typeface="+mj-lt"/>
+          <a:ea typeface="+mj-ea"/>
+          <a:cs typeface="+mj-cs"/>
+        </a:defRPr>
+      </a:lvl1pPr>
+      <a:lvl2pPr algn="just" rtl="0" eaLnBrk="1" fontAlgn="base" hangingPunct="1">
+        <a:spcBef>
+          <a:spcPct val="0"/>
+        </a:spcBef>
+        <a:spcAft>
+          <a:spcPct val="0"/>
+        </a:spcAft>
+        <a:defRPr kumimoji="1" sz="3300" b="1">
+          <a:solidFill>
+            <a:schemeClr val="bg1"/>
+          </a:solidFill>
+          <a:latin typeface="Times New Roman" pitchFamily="18" charset="0"/>
+          <a:ea typeface="ＭＳ Ｐゴシック" pitchFamily="50" charset="-128"/>
+        </a:defRPr>
+      </a:lvl2pPr>
+      <a:lvl3pPr algn="just" rtl="0" eaLnBrk="1" fontAlgn="base" hangingPunct="1">
+        <a:spcBef>
+          <a:spcPct val="0"/>
+        </a:spcBef>
+        <a:spcAft>
+          <a:spcPct val="0"/>
+        </a:spcAft>
+        <a:defRPr kumimoji="1" sz="3300" b="1">
+          <a:solidFill>
+            <a:schemeClr val="bg1"/>
+          </a:solidFill>
+          <a:latin typeface="Times New Roman" pitchFamily="18" charset="0"/>
+          <a:ea typeface="ＭＳ Ｐゴシック" pitchFamily="50" charset="-128"/>
+        </a:defRPr>
+      </a:lvl3pPr>
+      <a:lvl4pPr algn="just" rtl="0" eaLnBrk="1" fontAlgn="base" hangingPunct="1">
+        <a:spcBef>
+          <a:spcPct val="0"/>
+        </a:spcBef>
+        <a:spcAft>
+          <a:spcPct val="0"/>
+        </a:spcAft>
+        <a:defRPr kumimoji="1" sz="3300" b="1">
+          <a:solidFill>
+            <a:schemeClr val="bg1"/>
+          </a:solidFill>
+          <a:latin typeface="Times New Roman" pitchFamily="18" charset="0"/>
+          <a:ea typeface="ＭＳ Ｐゴシック" pitchFamily="50" charset="-128"/>
+        </a:defRPr>
+      </a:lvl4pPr>
+      <a:lvl5pPr algn="just" rtl="0" eaLnBrk="1" fontAlgn="base" hangingPunct="1">
+        <a:spcBef>
+          <a:spcPct val="0"/>
+        </a:spcBef>
+        <a:spcAft>
+          <a:spcPct val="0"/>
+        </a:spcAft>
+        <a:defRPr kumimoji="1" sz="3300" b="1">
+          <a:solidFill>
+            <a:schemeClr val="bg1"/>
+          </a:solidFill>
+          <a:latin typeface="Times New Roman" pitchFamily="18" charset="0"/>
+          <a:ea typeface="ＭＳ Ｐゴシック" pitchFamily="50" charset="-128"/>
+        </a:defRPr>
+      </a:lvl5pPr>
+      <a:lvl6pPr marL="342900" algn="just" rtl="0" eaLnBrk="1" fontAlgn="base" hangingPunct="1">
+        <a:spcBef>
+          <a:spcPct val="0"/>
+        </a:spcBef>
+        <a:spcAft>
+          <a:spcPct val="0"/>
+        </a:spcAft>
+        <a:defRPr kumimoji="1" sz="3300" b="1">
+          <a:solidFill>
+            <a:schemeClr val="bg1"/>
+          </a:solidFill>
+          <a:latin typeface="Times New Roman" pitchFamily="18" charset="0"/>
+          <a:ea typeface="ＭＳ Ｐゴシック" pitchFamily="50" charset="-128"/>
+        </a:defRPr>
+      </a:lvl6pPr>
+      <a:lvl7pPr marL="685800" algn="just" rtl="0" eaLnBrk="1" fontAlgn="base" hangingPunct="1">
+        <a:spcBef>
+          <a:spcPct val="0"/>
+        </a:spcBef>
+        <a:spcAft>
+          <a:spcPct val="0"/>
+        </a:spcAft>
+        <a:defRPr kumimoji="1" sz="3300" b="1">
+          <a:solidFill>
+            <a:schemeClr val="bg1"/>
+          </a:solidFill>
+          <a:latin typeface="Times New Roman" pitchFamily="18" charset="0"/>
+          <a:ea typeface="ＭＳ Ｐゴシック" pitchFamily="50" charset="-128"/>
+        </a:defRPr>
+      </a:lvl7pPr>
+      <a:lvl8pPr marL="1028700" algn="just" rtl="0" eaLnBrk="1" fontAlgn="base" hangingPunct="1">
+        <a:spcBef>
+          <a:spcPct val="0"/>
+        </a:spcBef>
+        <a:spcAft>
+          <a:spcPct val="0"/>
+        </a:spcAft>
+        <a:defRPr kumimoji="1" sz="3300" b="1">
+          <a:solidFill>
+            <a:schemeClr val="bg1"/>
+          </a:solidFill>
+          <a:latin typeface="Times New Roman" pitchFamily="18" charset="0"/>
+          <a:ea typeface="ＭＳ Ｐゴシック" pitchFamily="50" charset="-128"/>
+        </a:defRPr>
+      </a:lvl8pPr>
+      <a:lvl9pPr marL="1371600" algn="just" rtl="0" eaLnBrk="1" fontAlgn="base" hangingPunct="1">
+        <a:spcBef>
+          <a:spcPct val="0"/>
+        </a:spcBef>
+        <a:spcAft>
+          <a:spcPct val="0"/>
+        </a:spcAft>
+        <a:defRPr kumimoji="1" sz="3300" b="1">
+          <a:solidFill>
+            <a:schemeClr val="bg1"/>
+          </a:solidFill>
+          <a:latin typeface="Times New Roman" pitchFamily="18" charset="0"/>
+          <a:ea typeface="ＭＳ Ｐゴシック" pitchFamily="50" charset="-128"/>
+        </a:defRPr>
+      </a:lvl9pPr>
+    </p:titleStyle>
+    <p:bodyStyle>
+      <a:lvl1pPr marL="257175" indent="-257175" algn="l" rtl="0" eaLnBrk="1" fontAlgn="base" hangingPunct="1">
+        <a:spcBef>
+          <a:spcPct val="20000"/>
+        </a:spcBef>
+        <a:spcAft>
+          <a:spcPct val="0"/>
+        </a:spcAft>
+        <a:buChar char="•"/>
+        <a:defRPr kumimoji="1" sz="2400">
+          <a:solidFill>
+            <a:schemeClr val="tx1"/>
+          </a:solidFill>
+          <a:latin typeface="+mn-lt"/>
+          <a:ea typeface="+mn-ea"/>
+          <a:cs typeface="+mn-cs"/>
+        </a:defRPr>
+      </a:lvl1pPr>
+      <a:lvl2pPr marL="557213" indent="-214313" algn="l" rtl="0" eaLnBrk="1" fontAlgn="base" hangingPunct="1">
+        <a:spcBef>
+          <a:spcPct val="20000"/>
+        </a:spcBef>
+        <a:spcAft>
+          <a:spcPct val="0"/>
+        </a:spcAft>
+        <a:buChar char="–"/>
+        <a:defRPr kumimoji="1" sz="2100">
+          <a:solidFill>
+            <a:schemeClr val="tx1"/>
+          </a:solidFill>
+          <a:latin typeface="+mn-lt"/>
+          <a:ea typeface="+mn-ea"/>
+        </a:defRPr>
+      </a:lvl2pPr>
+      <a:lvl3pPr marL="857250" indent="-171450" algn="l" rtl="0" eaLnBrk="1" fontAlgn="base" hangingPunct="1">
+        <a:spcBef>
+          <a:spcPct val="20000"/>
+        </a:spcBef>
+        <a:spcAft>
+          <a:spcPct val="0"/>
+        </a:spcAft>
+        <a:buChar char="•"/>
+        <a:defRPr kumimoji="1" sz="1800">
+          <a:solidFill>
+            <a:schemeClr val="tx1"/>
+          </a:solidFill>
+          <a:latin typeface="+mn-lt"/>
+          <a:ea typeface="+mn-ea"/>
+        </a:defRPr>
+      </a:lvl3pPr>
+      <a:lvl4pPr marL="1200150" indent="-171450" algn="l" rtl="0" eaLnBrk="1" fontAlgn="base" hangingPunct="1">
+        <a:spcBef>
+          <a:spcPct val="20000"/>
+        </a:spcBef>
+        <a:spcAft>
+          <a:spcPct val="0"/>
+        </a:spcAft>
+        <a:buChar char="–"/>
+        <a:defRPr kumimoji="1" sz="1500">
+          <a:solidFill>
+            <a:schemeClr val="tx1"/>
+          </a:solidFill>
+          <a:latin typeface="+mn-lt"/>
+          <a:ea typeface="+mn-ea"/>
+        </a:defRPr>
+      </a:lvl4pPr>
+      <a:lvl5pPr marL="1543050" indent="-171450" algn="l" rtl="0" eaLnBrk="1" fontAlgn="base" hangingPunct="1">
+        <a:spcBef>
+          <a:spcPct val="20000"/>
+        </a:spcBef>
+        <a:spcAft>
+          <a:spcPct val="0"/>
+        </a:spcAft>
+        <a:buChar char="»"/>
+        <a:defRPr kumimoji="1" sz="1500">
+          <a:solidFill>
+            <a:schemeClr val="tx1"/>
+          </a:solidFill>
+          <a:latin typeface="+mn-lt"/>
+          <a:ea typeface="+mn-ea"/>
+        </a:defRPr>
+      </a:lvl5pPr>
+      <a:lvl6pPr marL="1885950" indent="-171450" algn="l" rtl="0" eaLnBrk="1" fontAlgn="base" hangingPunct="1">
+        <a:spcBef>
+          <a:spcPct val="20000"/>
+        </a:spcBef>
+        <a:spcAft>
+          <a:spcPct val="0"/>
+        </a:spcAft>
+        <a:buChar char="»"/>
+        <a:defRPr kumimoji="1" sz="1500">
+          <a:solidFill>
+            <a:schemeClr val="tx1"/>
+          </a:solidFill>
+          <a:latin typeface="+mn-lt"/>
+          <a:ea typeface="+mn-ea"/>
+        </a:defRPr>
+      </a:lvl6pPr>
+      <a:lvl7pPr marL="2228850" indent="-171450" algn="l" rtl="0" eaLnBrk="1" fontAlgn="base" hangingPunct="1">
+        <a:spcBef>
+          <a:spcPct val="20000"/>
+        </a:spcBef>
+        <a:spcAft>
+          <a:spcPct val="0"/>
+        </a:spcAft>
+        <a:buChar char="»"/>
+        <a:defRPr kumimoji="1" sz="1500">
+          <a:solidFill>
+            <a:schemeClr val="tx1"/>
+          </a:solidFill>
+          <a:latin typeface="+mn-lt"/>
+          <a:ea typeface="+mn-ea"/>
+        </a:defRPr>
+      </a:lvl7pPr>
+      <a:lvl8pPr marL="2571750" indent="-171450" algn="l" rtl="0" eaLnBrk="1" fontAlgn="base" hangingPunct="1">
+        <a:spcBef>
+          <a:spcPct val="20000"/>
+        </a:spcBef>
+        <a:spcAft>
+          <a:spcPct val="0"/>
+        </a:spcAft>
+        <a:buChar char="»"/>
+        <a:defRPr kumimoji="1" sz="1500">
+          <a:solidFill>
+            <a:schemeClr val="tx1"/>
+          </a:solidFill>
+          <a:latin typeface="+mn-lt"/>
+          <a:ea typeface="+mn-ea"/>
+        </a:defRPr>
+      </a:lvl8pPr>
+      <a:lvl9pPr marL="2914650" indent="-171450" algn="l" rtl="0" eaLnBrk="1" fontAlgn="base" hangingPunct="1">
+        <a:spcBef>
+          <a:spcPct val="20000"/>
+        </a:spcBef>
+        <a:spcAft>
+          <a:spcPct val="0"/>
+        </a:spcAft>
+        <a:buChar char="»"/>
+        <a:defRPr kumimoji="1" sz="1500">
+          <a:solidFill>
+            <a:schemeClr val="tx1"/>
+          </a:solidFill>
+          <a:latin typeface="+mn-lt"/>
+          <a:ea typeface="+mn-ea"/>
+        </a:defRPr>
+      </a:lvl9pPr>
+    </p:bodyStyle>
+    <p:otherStyle>
+      <a:defPPr>
+        <a:defRPr lang="ja-JP"/>
+      </a:defPPr>
+      <a:lvl1pPr marL="0" algn="l" defTabSz="685800" rtl="0" eaLnBrk="1" latinLnBrk="0" hangingPunct="1">
+        <a:defRPr kumimoji="1" sz="1350" kern="1200">
+          <a:solidFill>
+            <a:schemeClr val="tx1"/>
+          </a:solidFill>
+          <a:latin typeface="+mn-lt"/>
+          <a:ea typeface="+mn-ea"/>
+          <a:cs typeface="+mn-cs"/>
+        </a:defRPr>
+      </a:lvl1pPr>
+      <a:lvl2pPr marL="342900" algn="l" defTabSz="685800" rtl="0" eaLnBrk="1" latinLnBrk="0" hangingPunct="1">
+        <a:defRPr kumimoji="1" sz="1350" kern="1200">
+          <a:solidFill>
+            <a:schemeClr val="tx1"/>
+          </a:solidFill>
+          <a:latin typeface="+mn-lt"/>
+          <a:ea typeface="+mn-ea"/>
+          <a:cs typeface="+mn-cs"/>
+        </a:defRPr>
+      </a:lvl2pPr>
+      <a:lvl3pPr marL="685800" algn="l" defTabSz="685800" rtl="0" eaLnBrk="1" latinLnBrk="0" hangingPunct="1">
+        <a:defRPr kumimoji="1" sz="1350" kern="1200">
+          <a:solidFill>
+            <a:schemeClr val="tx1"/>
+          </a:solidFill>
+          <a:latin typeface="+mn-lt"/>
+          <a:ea typeface="+mn-ea"/>
+          <a:cs typeface="+mn-cs"/>
+        </a:defRPr>
+      </a:lvl3pPr>
+      <a:lvl4pPr marL="1028700" algn="l" defTabSz="685800" rtl="0" eaLnBrk="1" latinLnBrk="0" hangingPunct="1">
+        <a:defRPr kumimoji="1" sz="1350" kern="1200">
+          <a:solidFill>
+            <a:schemeClr val="tx1"/>
+          </a:solidFill>
+          <a:latin typeface="+mn-lt"/>
+          <a:ea typeface="+mn-ea"/>
+          <a:cs typeface="+mn-cs"/>
+        </a:defRPr>
+      </a:lvl4pPr>
+      <a:lvl5pPr marL="1371600" algn="l" defTabSz="685800" rtl="0" eaLnBrk="1" latinLnBrk="0" hangingPunct="1">
+        <a:defRPr kumimoji="1" sz="1350" kern="1200">
+          <a:solidFill>
+            <a:schemeClr val="tx1"/>
+          </a:solidFill>
+          <a:latin typeface="+mn-lt"/>
+          <a:ea typeface="+mn-ea"/>
+          <a:cs typeface="+mn-cs"/>
+        </a:defRPr>
+      </a:lvl5pPr>
+      <a:lvl6pPr marL="1714500" algn="l" defTabSz="685800" rtl="0" eaLnBrk="1" latinLnBrk="0" hangingPunct="1">
+        <a:defRPr kumimoji="1" sz="1350" kern="1200">
+          <a:solidFill>
+            <a:schemeClr val="tx1"/>
+          </a:solidFill>
+          <a:latin typeface="+mn-lt"/>
+          <a:ea typeface="+mn-ea"/>
+          <a:cs typeface="+mn-cs"/>
+        </a:defRPr>
+      </a:lvl6pPr>
+      <a:lvl7pPr marL="2057400" algn="l" defTabSz="685800" rtl="0" eaLnBrk="1" latinLnBrk="0" hangingPunct="1">
+        <a:defRPr kumimoji="1" sz="1350" kern="1200">
+          <a:solidFill>
+            <a:schemeClr val="tx1"/>
+          </a:solidFill>
+          <a:latin typeface="+mn-lt"/>
+          <a:ea typeface="+mn-ea"/>
+          <a:cs typeface="+mn-cs"/>
+        </a:defRPr>
+      </a:lvl7pPr>
+      <a:lvl8pPr marL="2400300" algn="l" defTabSz="685800" rtl="0" eaLnBrk="1" latinLnBrk="0" hangingPunct="1">
+        <a:defRPr kumimoji="1" sz="1350" kern="1200">
+          <a:solidFill>
+            <a:schemeClr val="tx1"/>
+          </a:solidFill>
+          <a:latin typeface="+mn-lt"/>
+          <a:ea typeface="+mn-ea"/>
+          <a:cs typeface="+mn-cs"/>
+        </a:defRPr>
+      </a:lvl8pPr>
+      <a:lvl9pPr marL="2743200" algn="l" defTabSz="685800" rtl="0" eaLnBrk="1" latinLnBrk="0" hangingPunct="1">
+        <a:defRPr kumimoji="1" sz="1350" kern="1200">
+          <a:solidFill>
+            <a:schemeClr val="tx1"/>
+          </a:solidFill>
+          <a:latin typeface="+mn-lt"/>
+          <a:ea typeface="+mn-ea"/>
+          <a:cs typeface="+mn-cs"/>
+        </a:defRPr>
+      </a:lvl9pPr>
+    </p:otherStyle>
+  </p:txStyles>
+</p:sldMaster>
+</file>
+
 <file path=ppt/slides/slide1.xml><?xml version="1.0" encoding="utf-8"?>
 <p:sld xmlns:a="http://schemas.openxmlformats.org/drawingml/2006/main" xmlns:r="http://schemas.openxmlformats.org/officeDocument/2006/relationships" xmlns:p="http://schemas.openxmlformats.org/presentationml/2006/main">
   <p:cSld>
@@ -12785,11 +15055,7 @@
           <a:p>
             <a:r>
               <a:rPr kumimoji="1" lang="ja-JP" altLang="en-US" dirty="0" smtClean="0"/>
-              <a:t>実験パラメータ</a:t>
-            </a:r>
-            <a:r>
-              <a:rPr kumimoji="1" lang="ja-JP" altLang="en-US" dirty="0" smtClean="0"/>
-              <a:t>設定</a:t>
+              <a:t>実験パラメータ設定</a:t>
             </a:r>
             <a:endParaRPr kumimoji="1" lang="ja-JP" altLang="en-US" dirty="0"/>
           </a:p>
@@ -12895,11 +15161,7 @@
             </a:r>
             <a:r>
               <a:rPr lang="ja-JP" altLang="en-US" dirty="0" smtClean="0"/>
-              <a:t>を</a:t>
-            </a:r>
-            <a:r>
-              <a:rPr lang="ja-JP" altLang="en-US" dirty="0" smtClean="0"/>
-              <a:t>使用</a:t>
+              <a:t>を使用</a:t>
             </a:r>
             <a:endParaRPr kumimoji="1" lang="en-US" altLang="ja-JP" dirty="0" smtClean="0"/>
           </a:p>
@@ -13046,14 +15308,14 @@
           <p:nvPr>
             <p:extLst>
               <p:ext uri="{D42A27DB-BD31-4B8C-83A1-F6EECF244321}">
-                <p14:modId xmlns:p14="http://schemas.microsoft.com/office/powerpoint/2010/main" val="3159831723"/>
+                <p14:modId xmlns:p14="http://schemas.microsoft.com/office/powerpoint/2010/main" val="2148441895"/>
               </p:ext>
             </p:extLst>
           </p:nvPr>
         </p:nvGraphicFramePr>
         <p:xfrm>
-          <a:off x="228600" y="2148840"/>
-          <a:ext cx="8686799" cy="3627120"/>
+          <a:off x="1455179" y="2148840"/>
+          <a:ext cx="6233642" cy="3627120"/>
         </p:xfrm>
         <a:graphic>
           <a:graphicData uri="http://schemas.openxmlformats.org/drawingml/2006/table">
@@ -13065,7 +15327,6 @@
                 <a:gridCol w="2566416"/>
                 <a:gridCol w="2037310"/>
                 <a:gridCol w="1629916"/>
-                <a:gridCol w="2453157"/>
               </a:tblGrid>
               <a:tr h="370840">
                 <a:tc>
@@ -13167,40 +15428,6 @@
                           </a:solidFill>
                         </a:rPr>
                         <a:t>クラス数</a:t>
-                      </a:r>
-                      <a:endParaRPr kumimoji="1" lang="ja-JP" altLang="en-US" sz="2800" b="0" dirty="0">
-                        <a:solidFill>
-                          <a:schemeClr val="tx1"/>
-                        </a:solidFill>
-                      </a:endParaRPr>
-                    </a:p>
-                  </a:txBody>
-                  <a:tcPr>
-                    <a:lnB w="12700" cap="flat" cmpd="sng" algn="ctr">
-                      <a:solidFill>
-                        <a:schemeClr val="tx1"/>
-                      </a:solidFill>
-                      <a:prstDash val="solid"/>
-                      <a:round/>
-                      <a:headEnd type="none" w="med" len="med"/>
-                      <a:tailEnd type="none" w="med" len="med"/>
-                    </a:lnB>
-                    <a:noFill/>
-                  </a:tcPr>
-                </a:tc>
-                <a:tc>
-                  <a:txBody>
-                    <a:bodyPr/>
-                    <a:lstStyle/>
-                    <a:p>
-                      <a:pPr algn="ctr"/>
-                      <a:r>
-                        <a:rPr kumimoji="1" lang="ja-JP" altLang="en-US" sz="2800" b="0" dirty="0" smtClean="0">
-                          <a:solidFill>
-                            <a:schemeClr val="tx1"/>
-                          </a:solidFill>
-                        </a:rPr>
-                        <a:t>不均衡データ</a:t>
                       </a:r>
                       <a:endParaRPr kumimoji="1" lang="ja-JP" altLang="en-US" sz="2800" b="0" dirty="0">
                         <a:solidFill>
@@ -13344,40 +15571,6 @@
                     <a:noFill/>
                   </a:tcPr>
                 </a:tc>
-                <a:tc>
-                  <a:txBody>
-                    <a:bodyPr/>
-                    <a:lstStyle/>
-                    <a:p>
-                      <a:pPr algn="ctr"/>
-                      <a:r>
-                        <a:rPr kumimoji="1" lang="ja-JP" altLang="en-US" sz="2800" b="0" dirty="0" smtClean="0">
-                          <a:solidFill>
-                            <a:schemeClr val="tx1"/>
-                          </a:solidFill>
-                        </a:rPr>
-                        <a:t>〇</a:t>
-                      </a:r>
-                      <a:endParaRPr kumimoji="1" lang="ja-JP" altLang="en-US" sz="2800" b="0" dirty="0">
-                        <a:solidFill>
-                          <a:schemeClr val="tx1"/>
-                        </a:solidFill>
-                      </a:endParaRPr>
-                    </a:p>
-                  </a:txBody>
-                  <a:tcPr>
-                    <a:lnT w="12700" cap="flat" cmpd="sng" algn="ctr">
-                      <a:solidFill>
-                        <a:schemeClr val="tx1"/>
-                      </a:solidFill>
-                      <a:prstDash val="solid"/>
-                      <a:round/>
-                      <a:headEnd type="none" w="med" len="med"/>
-                      <a:tailEnd type="none" w="med" len="med"/>
-                    </a:lnT>
-                    <a:noFill/>
-                  </a:tcPr>
-                </a:tc>
               </a:tr>
               <a:tr h="370840">
                 <a:tc>
@@ -13473,23 +15666,6 @@
                     <a:noFill/>
                   </a:tcPr>
                 </a:tc>
-                <a:tc>
-                  <a:txBody>
-                    <a:bodyPr/>
-                    <a:lstStyle/>
-                    <a:p>
-                      <a:pPr algn="ctr"/>
-                      <a:endParaRPr kumimoji="1" lang="ja-JP" altLang="en-US" sz="2800" b="0" dirty="0">
-                        <a:solidFill>
-                          <a:schemeClr val="tx1"/>
-                        </a:solidFill>
-                      </a:endParaRPr>
-                    </a:p>
-                  </a:txBody>
-                  <a:tcPr>
-                    <a:noFill/>
-                  </a:tcPr>
-                </a:tc>
               </a:tr>
               <a:tr h="370840">
                 <a:tc>
@@ -13573,31 +15749,6 @@
                           </a:solidFill>
                         </a:rPr>
                         <a:t>2</a:t>
-                      </a:r>
-                      <a:endParaRPr kumimoji="1" lang="ja-JP" altLang="en-US" sz="2800" b="0" dirty="0">
-                        <a:solidFill>
-                          <a:schemeClr val="tx1"/>
-                        </a:solidFill>
-                      </a:endParaRPr>
-                    </a:p>
-                  </a:txBody>
-                  <a:tcPr>
-                    <a:noFill/>
-                  </a:tcPr>
-                </a:tc>
-                <a:tc>
-                  <a:txBody>
-                    <a:bodyPr/>
-                    <a:lstStyle/>
-                    <a:p>
-                      <a:pPr algn="ctr"/>
-                      <a:r>
-                        <a:rPr kumimoji="1" lang="ja-JP" altLang="en-US" sz="2800" b="0" dirty="0" smtClean="0">
-                          <a:solidFill>
-                            <a:schemeClr val="tx1"/>
-                          </a:solidFill>
-                        </a:rPr>
-                        <a:t>〇</a:t>
                       </a:r>
                       <a:endParaRPr kumimoji="1" lang="ja-JP" altLang="en-US" sz="2800" b="0" dirty="0">
                         <a:solidFill>
@@ -13705,23 +15856,6 @@
                     <a:noFill/>
                   </a:tcPr>
                 </a:tc>
-                <a:tc>
-                  <a:txBody>
-                    <a:bodyPr/>
-                    <a:lstStyle/>
-                    <a:p>
-                      <a:pPr algn="ctr"/>
-                      <a:endParaRPr kumimoji="1" lang="ja-JP" altLang="en-US" sz="2800" b="0" dirty="0">
-                        <a:solidFill>
-                          <a:schemeClr val="tx1"/>
-                        </a:solidFill>
-                      </a:endParaRPr>
-                    </a:p>
-                  </a:txBody>
-                  <a:tcPr>
-                    <a:noFill/>
-                  </a:tcPr>
-                </a:tc>
               </a:tr>
               <a:tr h="370840">
                 <a:tc>
@@ -13806,23 +15940,6 @@
                         </a:rPr>
                         <a:t>11</a:t>
                       </a:r>
-                      <a:endParaRPr kumimoji="1" lang="ja-JP" altLang="en-US" sz="2800" b="0" dirty="0">
-                        <a:solidFill>
-                          <a:schemeClr val="tx1"/>
-                        </a:solidFill>
-                      </a:endParaRPr>
-                    </a:p>
-                  </a:txBody>
-                  <a:tcPr>
-                    <a:noFill/>
-                  </a:tcPr>
-                </a:tc>
-                <a:tc>
-                  <a:txBody>
-                    <a:bodyPr/>
-                    <a:lstStyle/>
-                    <a:p>
-                      <a:pPr algn="ctr"/>
                       <a:endParaRPr kumimoji="1" lang="ja-JP" altLang="en-US" sz="2800" b="0" dirty="0">
                         <a:solidFill>
                           <a:schemeClr val="tx1"/>
@@ -13929,31 +16046,6 @@
                     <a:noFill/>
                   </a:tcPr>
                 </a:tc>
-                <a:tc>
-                  <a:txBody>
-                    <a:bodyPr/>
-                    <a:lstStyle/>
-                    <a:p>
-                      <a:pPr algn="ctr"/>
-                      <a:r>
-                        <a:rPr kumimoji="1" lang="ja-JP" altLang="en-US" sz="2800" b="0" dirty="0" smtClean="0">
-                          <a:solidFill>
-                            <a:schemeClr val="tx1"/>
-                          </a:solidFill>
-                        </a:rPr>
-                        <a:t>〇</a:t>
-                      </a:r>
-                      <a:endParaRPr kumimoji="1" lang="ja-JP" altLang="en-US" sz="2800" b="0" dirty="0">
-                        <a:solidFill>
-                          <a:schemeClr val="tx1"/>
-                        </a:solidFill>
-                      </a:endParaRPr>
-                    </a:p>
-                  </a:txBody>
-                  <a:tcPr>
-                    <a:noFill/>
-                  </a:tcPr>
-                </a:tc>
               </a:tr>
             </a:tbl>
           </a:graphicData>
@@ -14095,21 +16187,21 @@
       </p:sp>
       <p:graphicFrame>
         <p:nvGraphicFramePr>
-          <p:cNvPr id="11" name="グラフ 10"/>
+          <p:cNvPr id="8" name="グラフ 7"/>
           <p:cNvGraphicFramePr>
             <a:graphicFrameLocks/>
           </p:cNvGraphicFramePr>
           <p:nvPr>
             <p:extLst>
               <p:ext uri="{D42A27DB-BD31-4B8C-83A1-F6EECF244321}">
-                <p14:modId xmlns:p14="http://schemas.microsoft.com/office/powerpoint/2010/main" val="2745743060"/>
+                <p14:modId xmlns:p14="http://schemas.microsoft.com/office/powerpoint/2010/main" val="2898552951"/>
               </p:ext>
             </p:extLst>
           </p:nvPr>
         </p:nvGraphicFramePr>
         <p:xfrm>
-          <a:off x="259632" y="1252143"/>
-          <a:ext cx="8624737" cy="5396407"/>
+          <a:off x="289800" y="1264196"/>
+          <a:ext cx="8625600" cy="5396407"/>
         </p:xfrm>
         <a:graphic>
           <a:graphicData uri="http://schemas.openxmlformats.org/drawingml/2006/chart">
@@ -14120,7 +16212,7 @@
     </p:spTree>
     <p:extLst>
       <p:ext uri="{BB962C8B-B14F-4D97-AF65-F5344CB8AC3E}">
-        <p14:creationId xmlns:p14="http://schemas.microsoft.com/office/powerpoint/2010/main" val="4140296175"/>
+        <p14:creationId xmlns:p14="http://schemas.microsoft.com/office/powerpoint/2010/main" val="1692064318"/>
       </p:ext>
     </p:extLst>
   </p:cSld>
@@ -14253,21 +16345,21 @@
       </p:sp>
       <p:graphicFrame>
         <p:nvGraphicFramePr>
-          <p:cNvPr id="11" name="グラフ 10"/>
+          <p:cNvPr id="10" name="グラフ 9"/>
           <p:cNvGraphicFramePr>
             <a:graphicFrameLocks/>
           </p:cNvGraphicFramePr>
           <p:nvPr>
             <p:extLst>
               <p:ext uri="{D42A27DB-BD31-4B8C-83A1-F6EECF244321}">
-                <p14:modId xmlns:p14="http://schemas.microsoft.com/office/powerpoint/2010/main" val="3119087178"/>
+                <p14:modId xmlns:p14="http://schemas.microsoft.com/office/powerpoint/2010/main" val="2949872321"/>
               </p:ext>
             </p:extLst>
           </p:nvPr>
         </p:nvGraphicFramePr>
         <p:xfrm>
-          <a:off x="259200" y="1252800"/>
-          <a:ext cx="8624737" cy="5396407"/>
+          <a:off x="291600" y="1263600"/>
+          <a:ext cx="8625600" cy="5396407"/>
         </p:xfrm>
         <a:graphic>
           <a:graphicData uri="http://schemas.openxmlformats.org/drawingml/2006/chart">
@@ -18283,6 +20375,796 @@
 </file>
 
 <file path=ppt/theme/theme6.xml><?xml version="1.0" encoding="utf-8"?>
+<a:theme xmlns:a="http://schemas.openxmlformats.org/drawingml/2006/main" name="5_Theme_Lab">
+  <a:themeElements>
+    <a:clrScheme name="ユーザー定義 2">
+      <a:dk1>
+        <a:srgbClr val="000000"/>
+      </a:dk1>
+      <a:lt1>
+        <a:srgbClr val="FFFAF5"/>
+      </a:lt1>
+      <a:dk2>
+        <a:srgbClr val="000000"/>
+      </a:dk2>
+      <a:lt2>
+        <a:srgbClr val="808080"/>
+      </a:lt2>
+      <a:accent1>
+        <a:srgbClr val="FF1D38"/>
+      </a:accent1>
+      <a:accent2>
+        <a:srgbClr val="333399"/>
+      </a:accent2>
+      <a:accent3>
+        <a:srgbClr val="34ADFD"/>
+      </a:accent3>
+      <a:accent4>
+        <a:srgbClr val="FFFF00"/>
+      </a:accent4>
+      <a:accent5>
+        <a:srgbClr val="DAEDEF"/>
+      </a:accent5>
+      <a:accent6>
+        <a:srgbClr val="2D2D8A"/>
+      </a:accent6>
+      <a:hlink>
+        <a:srgbClr val="009999"/>
+      </a:hlink>
+      <a:folHlink>
+        <a:srgbClr val="99CC00"/>
+      </a:folHlink>
+    </a:clrScheme>
+    <a:fontScheme name="ユーザー定義 4">
+      <a:majorFont>
+        <a:latin typeface="Arial"/>
+        <a:ea typeface="ＭＳ Ｐゴシック"/>
+        <a:cs typeface=""/>
+      </a:majorFont>
+      <a:minorFont>
+        <a:latin typeface="Arial"/>
+        <a:ea typeface="ＭＳ P ゴシック"/>
+        <a:cs typeface=""/>
+      </a:minorFont>
+    </a:fontScheme>
+    <a:fmtScheme name="Office">
+      <a:fillStyleLst>
+        <a:solidFill>
+          <a:schemeClr val="phClr"/>
+        </a:solidFill>
+        <a:gradFill rotWithShape="1">
+          <a:gsLst>
+            <a:gs pos="0">
+              <a:schemeClr val="phClr">
+                <a:tint val="50000"/>
+                <a:satMod val="300000"/>
+              </a:schemeClr>
+            </a:gs>
+            <a:gs pos="35000">
+              <a:schemeClr val="phClr">
+                <a:tint val="37000"/>
+                <a:satMod val="300000"/>
+              </a:schemeClr>
+            </a:gs>
+            <a:gs pos="100000">
+              <a:schemeClr val="phClr">
+                <a:tint val="15000"/>
+                <a:satMod val="350000"/>
+              </a:schemeClr>
+            </a:gs>
+          </a:gsLst>
+          <a:lin ang="16200000" scaled="1"/>
+        </a:gradFill>
+        <a:gradFill rotWithShape="1">
+          <a:gsLst>
+            <a:gs pos="0">
+              <a:schemeClr val="phClr">
+                <a:shade val="51000"/>
+                <a:satMod val="130000"/>
+              </a:schemeClr>
+            </a:gs>
+            <a:gs pos="80000">
+              <a:schemeClr val="phClr">
+                <a:shade val="93000"/>
+                <a:satMod val="130000"/>
+              </a:schemeClr>
+            </a:gs>
+            <a:gs pos="100000">
+              <a:schemeClr val="phClr">
+                <a:shade val="94000"/>
+                <a:satMod val="135000"/>
+              </a:schemeClr>
+            </a:gs>
+          </a:gsLst>
+          <a:lin ang="16200000" scaled="0"/>
+        </a:gradFill>
+      </a:fillStyleLst>
+      <a:lnStyleLst>
+        <a:ln w="9525" cap="flat" cmpd="sng" algn="ctr">
+          <a:solidFill>
+            <a:schemeClr val="phClr">
+              <a:shade val="95000"/>
+              <a:satMod val="105000"/>
+            </a:schemeClr>
+          </a:solidFill>
+          <a:prstDash val="solid"/>
+        </a:ln>
+        <a:ln w="25400" cap="flat" cmpd="sng" algn="ctr">
+          <a:solidFill>
+            <a:schemeClr val="phClr"/>
+          </a:solidFill>
+          <a:prstDash val="solid"/>
+        </a:ln>
+        <a:ln w="38100" cap="flat" cmpd="sng" algn="ctr">
+          <a:solidFill>
+            <a:schemeClr val="phClr"/>
+          </a:solidFill>
+          <a:prstDash val="solid"/>
+        </a:ln>
+      </a:lnStyleLst>
+      <a:effectStyleLst>
+        <a:effectStyle>
+          <a:effectLst>
+            <a:outerShdw blurRad="40000" dist="20000" dir="5400000" rotWithShape="0">
+              <a:srgbClr val="000000">
+                <a:alpha val="38000"/>
+              </a:srgbClr>
+            </a:outerShdw>
+          </a:effectLst>
+        </a:effectStyle>
+        <a:effectStyle>
+          <a:effectLst>
+            <a:outerShdw blurRad="40000" dist="23000" dir="5400000" rotWithShape="0">
+              <a:srgbClr val="000000">
+                <a:alpha val="35000"/>
+              </a:srgbClr>
+            </a:outerShdw>
+          </a:effectLst>
+        </a:effectStyle>
+        <a:effectStyle>
+          <a:effectLst>
+            <a:outerShdw blurRad="40000" dist="23000" dir="5400000" rotWithShape="0">
+              <a:srgbClr val="000000">
+                <a:alpha val="35000"/>
+              </a:srgbClr>
+            </a:outerShdw>
+          </a:effectLst>
+          <a:scene3d>
+            <a:camera prst="orthographicFront">
+              <a:rot lat="0" lon="0" rev="0"/>
+            </a:camera>
+            <a:lightRig rig="threePt" dir="t">
+              <a:rot lat="0" lon="0" rev="1200000"/>
+            </a:lightRig>
+          </a:scene3d>
+          <a:sp3d>
+            <a:bevelT w="63500" h="25400"/>
+          </a:sp3d>
+        </a:effectStyle>
+      </a:effectStyleLst>
+      <a:bgFillStyleLst>
+        <a:solidFill>
+          <a:schemeClr val="phClr"/>
+        </a:solidFill>
+        <a:gradFill rotWithShape="1">
+          <a:gsLst>
+            <a:gs pos="0">
+              <a:schemeClr val="phClr">
+                <a:tint val="40000"/>
+                <a:satMod val="350000"/>
+              </a:schemeClr>
+            </a:gs>
+            <a:gs pos="40000">
+              <a:schemeClr val="phClr">
+                <a:tint val="45000"/>
+                <a:shade val="99000"/>
+                <a:satMod val="350000"/>
+              </a:schemeClr>
+            </a:gs>
+            <a:gs pos="100000">
+              <a:schemeClr val="phClr">
+                <a:shade val="20000"/>
+                <a:satMod val="255000"/>
+              </a:schemeClr>
+            </a:gs>
+          </a:gsLst>
+          <a:path path="circle">
+            <a:fillToRect l="50000" t="-80000" r="50000" b="180000"/>
+          </a:path>
+        </a:gradFill>
+        <a:gradFill rotWithShape="1">
+          <a:gsLst>
+            <a:gs pos="0">
+              <a:schemeClr val="phClr">
+                <a:tint val="80000"/>
+                <a:satMod val="300000"/>
+              </a:schemeClr>
+            </a:gs>
+            <a:gs pos="100000">
+              <a:schemeClr val="phClr">
+                <a:shade val="30000"/>
+                <a:satMod val="200000"/>
+              </a:schemeClr>
+            </a:gs>
+          </a:gsLst>
+          <a:path path="circle">
+            <a:fillToRect l="50000" t="50000" r="50000" b="50000"/>
+          </a:path>
+        </a:gradFill>
+      </a:bgFillStyleLst>
+    </a:fmtScheme>
+  </a:themeElements>
+  <a:objectDefaults>
+    <a:spDef>
+      <a:spPr>
+        <a:noFill/>
+      </a:spPr>
+      <a:bodyPr rtlCol="0" anchor="ctr"/>
+      <a:lstStyle>
+        <a:defPPr algn="ctr">
+          <a:defRPr kumimoji="1"/>
+        </a:defPPr>
+      </a:lstStyle>
+      <a:style>
+        <a:lnRef idx="2">
+          <a:schemeClr val="accent1">
+            <a:shade val="50000"/>
+          </a:schemeClr>
+        </a:lnRef>
+        <a:fillRef idx="1">
+          <a:schemeClr val="accent1"/>
+        </a:fillRef>
+        <a:effectRef idx="0">
+          <a:schemeClr val="accent1"/>
+        </a:effectRef>
+        <a:fontRef idx="minor">
+          <a:schemeClr val="lt1"/>
+        </a:fontRef>
+      </a:style>
+    </a:spDef>
+    <a:lnDef>
+      <a:spPr>
+        <a:ln w="101600">
+          <a:solidFill>
+            <a:schemeClr val="tx1"/>
+          </a:solidFill>
+          <a:tailEnd type="none"/>
+        </a:ln>
+      </a:spPr>
+      <a:bodyPr/>
+      <a:lstStyle/>
+      <a:style>
+        <a:lnRef idx="1">
+          <a:schemeClr val="accent1"/>
+        </a:lnRef>
+        <a:fillRef idx="0">
+          <a:schemeClr val="accent1"/>
+        </a:fillRef>
+        <a:effectRef idx="0">
+          <a:schemeClr val="accent1"/>
+        </a:effectRef>
+        <a:fontRef idx="minor">
+          <a:schemeClr val="tx1"/>
+        </a:fontRef>
+      </a:style>
+    </a:lnDef>
+    <a:txDef>
+      <a:spPr>
+        <a:noFill/>
+      </a:spPr>
+      <a:bodyPr wrap="square" rtlCol="0">
+        <a:spAutoFit/>
+      </a:bodyPr>
+      <a:lstStyle>
+        <a:defPPr algn="ctr">
+          <a:defRPr kumimoji="1" sz="2800" dirty="0" smtClean="0"/>
+        </a:defPPr>
+      </a:lstStyle>
+    </a:txDef>
+  </a:objectDefaults>
+  <a:extraClrSchemeLst>
+    <a:extraClrScheme>
+      <a:clrScheme name="標準デザイン 1">
+        <a:dk1>
+          <a:srgbClr val="000000"/>
+        </a:dk1>
+        <a:lt1>
+          <a:srgbClr val="FFFFFF"/>
+        </a:lt1>
+        <a:dk2>
+          <a:srgbClr val="000000"/>
+        </a:dk2>
+        <a:lt2>
+          <a:srgbClr val="808080"/>
+        </a:lt2>
+        <a:accent1>
+          <a:srgbClr val="BBE0E3"/>
+        </a:accent1>
+        <a:accent2>
+          <a:srgbClr val="333399"/>
+        </a:accent2>
+        <a:accent3>
+          <a:srgbClr val="FFFFFF"/>
+        </a:accent3>
+        <a:accent4>
+          <a:srgbClr val="000000"/>
+        </a:accent4>
+        <a:accent5>
+          <a:srgbClr val="DAEDEF"/>
+        </a:accent5>
+        <a:accent6>
+          <a:srgbClr val="2D2D8A"/>
+        </a:accent6>
+        <a:hlink>
+          <a:srgbClr val="009999"/>
+        </a:hlink>
+        <a:folHlink>
+          <a:srgbClr val="99CC00"/>
+        </a:folHlink>
+      </a:clrScheme>
+      <a:clrMap bg1="lt1" tx1="dk1" bg2="lt2" tx2="dk2" accent1="accent1" accent2="accent2" accent3="accent3" accent4="accent4" accent5="accent5" accent6="accent6" hlink="hlink" folHlink="folHlink"/>
+    </a:extraClrScheme>
+    <a:extraClrScheme>
+      <a:clrScheme name="標準デザイン 2">
+        <a:dk1>
+          <a:srgbClr val="000000"/>
+        </a:dk1>
+        <a:lt1>
+          <a:srgbClr val="FFFFFF"/>
+        </a:lt1>
+        <a:dk2>
+          <a:srgbClr val="000000"/>
+        </a:dk2>
+        <a:lt2>
+          <a:srgbClr val="969696"/>
+        </a:lt2>
+        <a:accent1>
+          <a:srgbClr val="FBDF53"/>
+        </a:accent1>
+        <a:accent2>
+          <a:srgbClr val="FF9966"/>
+        </a:accent2>
+        <a:accent3>
+          <a:srgbClr val="FFFFFF"/>
+        </a:accent3>
+        <a:accent4>
+          <a:srgbClr val="000000"/>
+        </a:accent4>
+        <a:accent5>
+          <a:srgbClr val="FDECB3"/>
+        </a:accent5>
+        <a:accent6>
+          <a:srgbClr val="E78A5C"/>
+        </a:accent6>
+        <a:hlink>
+          <a:srgbClr val="CC3300"/>
+        </a:hlink>
+        <a:folHlink>
+          <a:srgbClr val="996600"/>
+        </a:folHlink>
+      </a:clrScheme>
+      <a:clrMap bg1="lt1" tx1="dk1" bg2="lt2" tx2="dk2" accent1="accent1" accent2="accent2" accent3="accent3" accent4="accent4" accent5="accent5" accent6="accent6" hlink="hlink" folHlink="folHlink"/>
+    </a:extraClrScheme>
+    <a:extraClrScheme>
+      <a:clrScheme name="標準デザイン 3">
+        <a:dk1>
+          <a:srgbClr val="000000"/>
+        </a:dk1>
+        <a:lt1>
+          <a:srgbClr val="FFFFFF"/>
+        </a:lt1>
+        <a:dk2>
+          <a:srgbClr val="000000"/>
+        </a:dk2>
+        <a:lt2>
+          <a:srgbClr val="808080"/>
+        </a:lt2>
+        <a:accent1>
+          <a:srgbClr val="99CCFF"/>
+        </a:accent1>
+        <a:accent2>
+          <a:srgbClr val="CCCCFF"/>
+        </a:accent2>
+        <a:accent3>
+          <a:srgbClr val="FFFFFF"/>
+        </a:accent3>
+        <a:accent4>
+          <a:srgbClr val="000000"/>
+        </a:accent4>
+        <a:accent5>
+          <a:srgbClr val="CAE2FF"/>
+        </a:accent5>
+        <a:accent6>
+          <a:srgbClr val="B9B9E7"/>
+        </a:accent6>
+        <a:hlink>
+          <a:srgbClr val="3333CC"/>
+        </a:hlink>
+        <a:folHlink>
+          <a:srgbClr val="AF67FF"/>
+        </a:folHlink>
+      </a:clrScheme>
+      <a:clrMap bg1="lt1" tx1="dk1" bg2="lt2" tx2="dk2" accent1="accent1" accent2="accent2" accent3="accent3" accent4="accent4" accent5="accent5" accent6="accent6" hlink="hlink" folHlink="folHlink"/>
+    </a:extraClrScheme>
+    <a:extraClrScheme>
+      <a:clrScheme name="標準デザイン 4">
+        <a:dk1>
+          <a:srgbClr val="000000"/>
+        </a:dk1>
+        <a:lt1>
+          <a:srgbClr val="DEF6F1"/>
+        </a:lt1>
+        <a:dk2>
+          <a:srgbClr val="000000"/>
+        </a:dk2>
+        <a:lt2>
+          <a:srgbClr val="969696"/>
+        </a:lt2>
+        <a:accent1>
+          <a:srgbClr val="FFFFFF"/>
+        </a:accent1>
+        <a:accent2>
+          <a:srgbClr val="8DC6FF"/>
+        </a:accent2>
+        <a:accent3>
+          <a:srgbClr val="ECFAF7"/>
+        </a:accent3>
+        <a:accent4>
+          <a:srgbClr val="000000"/>
+        </a:accent4>
+        <a:accent5>
+          <a:srgbClr val="FFFFFF"/>
+        </a:accent5>
+        <a:accent6>
+          <a:srgbClr val="7FB3E7"/>
+        </a:accent6>
+        <a:hlink>
+          <a:srgbClr val="0066CC"/>
+        </a:hlink>
+        <a:folHlink>
+          <a:srgbClr val="00A800"/>
+        </a:folHlink>
+      </a:clrScheme>
+      <a:clrMap bg1="lt1" tx1="dk1" bg2="lt2" tx2="dk2" accent1="accent1" accent2="accent2" accent3="accent3" accent4="accent4" accent5="accent5" accent6="accent6" hlink="hlink" folHlink="folHlink"/>
+    </a:extraClrScheme>
+    <a:extraClrScheme>
+      <a:clrScheme name="標準デザイン 5">
+        <a:dk1>
+          <a:srgbClr val="000000"/>
+        </a:dk1>
+        <a:lt1>
+          <a:srgbClr val="FFFFD9"/>
+        </a:lt1>
+        <a:dk2>
+          <a:srgbClr val="000000"/>
+        </a:dk2>
+        <a:lt2>
+          <a:srgbClr val="777777"/>
+        </a:lt2>
+        <a:accent1>
+          <a:srgbClr val="FFFFF7"/>
+        </a:accent1>
+        <a:accent2>
+          <a:srgbClr val="33CCCC"/>
+        </a:accent2>
+        <a:accent3>
+          <a:srgbClr val="FFFFE9"/>
+        </a:accent3>
+        <a:accent4>
+          <a:srgbClr val="000000"/>
+        </a:accent4>
+        <a:accent5>
+          <a:srgbClr val="FFFFFA"/>
+        </a:accent5>
+        <a:accent6>
+          <a:srgbClr val="2DB9B9"/>
+        </a:accent6>
+        <a:hlink>
+          <a:srgbClr val="FF5050"/>
+        </a:hlink>
+        <a:folHlink>
+          <a:srgbClr val="FF9900"/>
+        </a:folHlink>
+      </a:clrScheme>
+      <a:clrMap bg1="lt1" tx1="dk1" bg2="lt2" tx2="dk2" accent1="accent1" accent2="accent2" accent3="accent3" accent4="accent4" accent5="accent5" accent6="accent6" hlink="hlink" folHlink="folHlink"/>
+    </a:extraClrScheme>
+    <a:extraClrScheme>
+      <a:clrScheme name="標準デザイン 6">
+        <a:dk1>
+          <a:srgbClr val="005A58"/>
+        </a:dk1>
+        <a:lt1>
+          <a:srgbClr val="FFFFFF"/>
+        </a:lt1>
+        <a:dk2>
+          <a:srgbClr val="008080"/>
+        </a:dk2>
+        <a:lt2>
+          <a:srgbClr val="FFFF99"/>
+        </a:lt2>
+        <a:accent1>
+          <a:srgbClr val="006462"/>
+        </a:accent1>
+        <a:accent2>
+          <a:srgbClr val="6D6FC7"/>
+        </a:accent2>
+        <a:accent3>
+          <a:srgbClr val="AAC0C0"/>
+        </a:accent3>
+        <a:accent4>
+          <a:srgbClr val="DADADA"/>
+        </a:accent4>
+        <a:accent5>
+          <a:srgbClr val="AAB8B7"/>
+        </a:accent5>
+        <a:accent6>
+          <a:srgbClr val="6264B4"/>
+        </a:accent6>
+        <a:hlink>
+          <a:srgbClr val="00FFFF"/>
+        </a:hlink>
+        <a:folHlink>
+          <a:srgbClr val="00FF00"/>
+        </a:folHlink>
+      </a:clrScheme>
+      <a:clrMap bg1="dk2" tx1="lt1" bg2="dk1" tx2="lt2" accent1="accent1" accent2="accent2" accent3="accent3" accent4="accent4" accent5="accent5" accent6="accent6" hlink="hlink" folHlink="folHlink"/>
+    </a:extraClrScheme>
+    <a:extraClrScheme>
+      <a:clrScheme name="標準デザイン 7">
+        <a:dk1>
+          <a:srgbClr val="5C1F00"/>
+        </a:dk1>
+        <a:lt1>
+          <a:srgbClr val="FFFFFF"/>
+        </a:lt1>
+        <a:dk2>
+          <a:srgbClr val="800000"/>
+        </a:dk2>
+        <a:lt2>
+          <a:srgbClr val="DFD293"/>
+        </a:lt2>
+        <a:accent1>
+          <a:srgbClr val="CC3300"/>
+        </a:accent1>
+        <a:accent2>
+          <a:srgbClr val="BE7960"/>
+        </a:accent2>
+        <a:accent3>
+          <a:srgbClr val="C0AAAA"/>
+        </a:accent3>
+        <a:accent4>
+          <a:srgbClr val="DADADA"/>
+        </a:accent4>
+        <a:accent5>
+          <a:srgbClr val="E2ADAA"/>
+        </a:accent5>
+        <a:accent6>
+          <a:srgbClr val="AC6D56"/>
+        </a:accent6>
+        <a:hlink>
+          <a:srgbClr val="FFFF99"/>
+        </a:hlink>
+        <a:folHlink>
+          <a:srgbClr val="D3A219"/>
+        </a:folHlink>
+      </a:clrScheme>
+      <a:clrMap bg1="dk2" tx1="lt1" bg2="dk1" tx2="lt2" accent1="accent1" accent2="accent2" accent3="accent3" accent4="accent4" accent5="accent5" accent6="accent6" hlink="hlink" folHlink="folHlink"/>
+    </a:extraClrScheme>
+    <a:extraClrScheme>
+      <a:clrScheme name="標準デザイン 8">
+        <a:dk1>
+          <a:srgbClr val="003366"/>
+        </a:dk1>
+        <a:lt1>
+          <a:srgbClr val="FFFFFF"/>
+        </a:lt1>
+        <a:dk2>
+          <a:srgbClr val="000099"/>
+        </a:dk2>
+        <a:lt2>
+          <a:srgbClr val="CCFFFF"/>
+        </a:lt2>
+        <a:accent1>
+          <a:srgbClr val="3366CC"/>
+        </a:accent1>
+        <a:accent2>
+          <a:srgbClr val="00B000"/>
+        </a:accent2>
+        <a:accent3>
+          <a:srgbClr val="AAAACA"/>
+        </a:accent3>
+        <a:accent4>
+          <a:srgbClr val="DADADA"/>
+        </a:accent4>
+        <a:accent5>
+          <a:srgbClr val="ADB8E2"/>
+        </a:accent5>
+        <a:accent6>
+          <a:srgbClr val="009F00"/>
+        </a:accent6>
+        <a:hlink>
+          <a:srgbClr val="66CCFF"/>
+        </a:hlink>
+        <a:folHlink>
+          <a:srgbClr val="FFE701"/>
+        </a:folHlink>
+      </a:clrScheme>
+      <a:clrMap bg1="dk2" tx1="lt1" bg2="dk1" tx2="lt2" accent1="accent1" accent2="accent2" accent3="accent3" accent4="accent4" accent5="accent5" accent6="accent6" hlink="hlink" folHlink="folHlink"/>
+    </a:extraClrScheme>
+    <a:extraClrScheme>
+      <a:clrScheme name="標準デザイン 9">
+        <a:dk1>
+          <a:srgbClr val="336699"/>
+        </a:dk1>
+        <a:lt1>
+          <a:srgbClr val="FFFFFF"/>
+        </a:lt1>
+        <a:dk2>
+          <a:srgbClr val="000000"/>
+        </a:dk2>
+        <a:lt2>
+          <a:srgbClr val="E3EBF1"/>
+        </a:lt2>
+        <a:accent1>
+          <a:srgbClr val="003399"/>
+        </a:accent1>
+        <a:accent2>
+          <a:srgbClr val="468A4B"/>
+        </a:accent2>
+        <a:accent3>
+          <a:srgbClr val="AAAAAA"/>
+        </a:accent3>
+        <a:accent4>
+          <a:srgbClr val="DADADA"/>
+        </a:accent4>
+        <a:accent5>
+          <a:srgbClr val="AAADCA"/>
+        </a:accent5>
+        <a:accent6>
+          <a:srgbClr val="3F7D43"/>
+        </a:accent6>
+        <a:hlink>
+          <a:srgbClr val="66CCFF"/>
+        </a:hlink>
+        <a:folHlink>
+          <a:srgbClr val="F0E500"/>
+        </a:folHlink>
+      </a:clrScheme>
+      <a:clrMap bg1="dk2" tx1="lt1" bg2="dk1" tx2="lt2" accent1="accent1" accent2="accent2" accent3="accent3" accent4="accent4" accent5="accent5" accent6="accent6" hlink="hlink" folHlink="folHlink"/>
+    </a:extraClrScheme>
+    <a:extraClrScheme>
+      <a:clrScheme name="標準デザイン 10">
+        <a:dk1>
+          <a:srgbClr val="777777"/>
+        </a:dk1>
+        <a:lt1>
+          <a:srgbClr val="FFFFFF"/>
+        </a:lt1>
+        <a:dk2>
+          <a:srgbClr val="686B5D"/>
+        </a:dk2>
+        <a:lt2>
+          <a:srgbClr val="D1D1CB"/>
+        </a:lt2>
+        <a:accent1>
+          <a:srgbClr val="909082"/>
+        </a:accent1>
+        <a:accent2>
+          <a:srgbClr val="809EA8"/>
+        </a:accent2>
+        <a:accent3>
+          <a:srgbClr val="B9BAB6"/>
+        </a:accent3>
+        <a:accent4>
+          <a:srgbClr val="DADADA"/>
+        </a:accent4>
+        <a:accent5>
+          <a:srgbClr val="C6C6C1"/>
+        </a:accent5>
+        <a:accent6>
+          <a:srgbClr val="738F98"/>
+        </a:accent6>
+        <a:hlink>
+          <a:srgbClr val="FFCC66"/>
+        </a:hlink>
+        <a:folHlink>
+          <a:srgbClr val="E9DCB9"/>
+        </a:folHlink>
+      </a:clrScheme>
+      <a:clrMap bg1="dk2" tx1="lt1" bg2="dk1" tx2="lt2" accent1="accent1" accent2="accent2" accent3="accent3" accent4="accent4" accent5="accent5" accent6="accent6" hlink="hlink" folHlink="folHlink"/>
+    </a:extraClrScheme>
+    <a:extraClrScheme>
+      <a:clrScheme name="標準デザイン 11">
+        <a:dk1>
+          <a:srgbClr val="3E3E5C"/>
+        </a:dk1>
+        <a:lt1>
+          <a:srgbClr val="FFFFFF"/>
+        </a:lt1>
+        <a:dk2>
+          <a:srgbClr val="666699"/>
+        </a:dk2>
+        <a:lt2>
+          <a:srgbClr val="FFFFFF"/>
+        </a:lt2>
+        <a:accent1>
+          <a:srgbClr val="60597B"/>
+        </a:accent1>
+        <a:accent2>
+          <a:srgbClr val="6666FF"/>
+        </a:accent2>
+        <a:accent3>
+          <a:srgbClr val="B8B8CA"/>
+        </a:accent3>
+        <a:accent4>
+          <a:srgbClr val="DADADA"/>
+        </a:accent4>
+        <a:accent5>
+          <a:srgbClr val="B6B5BF"/>
+        </a:accent5>
+        <a:accent6>
+          <a:srgbClr val="5C5CE7"/>
+        </a:accent6>
+        <a:hlink>
+          <a:srgbClr val="99CCFF"/>
+        </a:hlink>
+        <a:folHlink>
+          <a:srgbClr val="FFFF99"/>
+        </a:folHlink>
+      </a:clrScheme>
+      <a:clrMap bg1="dk2" tx1="lt1" bg2="dk1" tx2="lt2" accent1="accent1" accent2="accent2" accent3="accent3" accent4="accent4" accent5="accent5" accent6="accent6" hlink="hlink" folHlink="folHlink"/>
+    </a:extraClrScheme>
+    <a:extraClrScheme>
+      <a:clrScheme name="標準デザイン 12">
+        <a:dk1>
+          <a:srgbClr val="2D2015"/>
+        </a:dk1>
+        <a:lt1>
+          <a:srgbClr val="FFFFFF"/>
+        </a:lt1>
+        <a:dk2>
+          <a:srgbClr val="523E26"/>
+        </a:dk2>
+        <a:lt2>
+          <a:srgbClr val="DFC08D"/>
+        </a:lt2>
+        <a:accent1>
+          <a:srgbClr val="8C7B70"/>
+        </a:accent1>
+        <a:accent2>
+          <a:srgbClr val="8F5F2F"/>
+        </a:accent2>
+        <a:accent3>
+          <a:srgbClr val="B3AFAC"/>
+        </a:accent3>
+        <a:accent4>
+          <a:srgbClr val="DADADA"/>
+        </a:accent4>
+        <a:accent5>
+          <a:srgbClr val="C5BFBB"/>
+        </a:accent5>
+        <a:accent6>
+          <a:srgbClr val="81552A"/>
+        </a:accent6>
+        <a:hlink>
+          <a:srgbClr val="CCB400"/>
+        </a:hlink>
+        <a:folHlink>
+          <a:srgbClr val="8C9EA0"/>
+        </a:folHlink>
+      </a:clrScheme>
+      <a:clrMap bg1="dk2" tx1="lt1" bg2="dk1" tx2="lt2" accent1="accent1" accent2="accent2" accent3="accent3" accent4="accent4" accent5="accent5" accent6="accent6" hlink="hlink" folHlink="folHlink"/>
+    </a:extraClrScheme>
+  </a:extraClrSchemeLst>
+  <a:extLst>
+    <a:ext uri="{05A4C25C-085E-4340-85A3-A5531E510DB2}">
+      <thm15:themeFamily xmlns:thm15="http://schemas.microsoft.com/office/thememl/2012/main" name="Theme_Lab" id="{C405CB98-E9EC-480B-BAC0-9B6A0B9BE441}" vid="{80D153D3-64A8-4419-B988-8E4507248DD7}"/>
+    </a:ext>
+  </a:extLst>
+</a:theme>
+</file>
+
+<file path=ppt/theme/theme7.xml><?xml version="1.0" encoding="utf-8"?>
 <a:theme xmlns:a="http://schemas.openxmlformats.org/drawingml/2006/main" name="Office テーマ">
   <a:themeElements>
     <a:clrScheme name="Office">
